--- a/公司PPT模板.pptx
+++ b/公司PPT模板.pptx
@@ -8,18 +8,22 @@
     <p:notesMasterId r:id="rId4"/>
   </p:notesMasterIdLst>
   <p:handoutMasterIdLst>
-    <p:handoutMasterId r:id="rId13"/>
+    <p:handoutMasterId r:id="rId17"/>
   </p:handoutMasterIdLst>
   <p:sldIdLst>
     <p:sldId id="874" r:id="rId3"/>
     <p:sldId id="2371" r:id="rId5"/>
     <p:sldId id="1927" r:id="rId6"/>
     <p:sldId id="2364" r:id="rId7"/>
-    <p:sldId id="2359" r:id="rId8"/>
-    <p:sldId id="2367" r:id="rId9"/>
-    <p:sldId id="2368" r:id="rId10"/>
-    <p:sldId id="2369" r:id="rId11"/>
-    <p:sldId id="1139" r:id="rId12"/>
+    <p:sldId id="2379" r:id="rId8"/>
+    <p:sldId id="2380" r:id="rId9"/>
+    <p:sldId id="2381" r:id="rId10"/>
+    <p:sldId id="2359" r:id="rId11"/>
+    <p:sldId id="2382" r:id="rId12"/>
+    <p:sldId id="2367" r:id="rId13"/>
+    <p:sldId id="2368" r:id="rId14"/>
+    <p:sldId id="2369" r:id="rId15"/>
+    <p:sldId id="1139" r:id="rId16"/>
   </p:sldIdLst>
   <p:sldSz cx="11878945" cy="6858000"/>
   <p:notesSz cx="6858000" cy="9144000"/>
@@ -1447,6 +1451,1102 @@
 </file>
 
 <file path=ppt/notesSlides/notesSlide4.xml><?xml version="1.0" encoding="utf-8"?>
+<p:notes xmlns:a="http://schemas.openxmlformats.org/drawingml/2006/main" xmlns:r="http://schemas.openxmlformats.org/officeDocument/2006/relationships" xmlns:p="http://schemas.openxmlformats.org/presentationml/2006/main">
+  <p:cSld>
+    <p:spTree>
+      <p:nvGrpSpPr>
+        <p:cNvPr id="1" name=""/>
+        <p:cNvGrpSpPr/>
+        <p:nvPr/>
+      </p:nvGrpSpPr>
+      <p:grpSpPr>
+        <a:xfrm>
+          <a:off x="0" y="0"/>
+          <a:ext cx="0" cy="0"/>
+          <a:chOff x="0" y="0"/>
+          <a:chExt cx="0" cy="0"/>
+        </a:xfrm>
+      </p:grpSpPr>
+      <p:sp>
+        <p:nvSpPr>
+          <p:cNvPr id="2" name="幻灯片图像占位符 1"/>
+          <p:cNvSpPr>
+            <a:spLocks noGrp="1" noRot="1" noChangeAspect="1"/>
+          </p:cNvSpPr>
+          <p:nvPr>
+            <p:ph type="sldImg" idx="2"/>
+          </p:nvPr>
+        </p:nvSpPr>
+        <p:spPr>
+          <a:xfrm>
+            <a:off x="458788" y="685800"/>
+            <a:ext cx="5940425" cy="3429000"/>
+          </a:xfrm>
+        </p:spPr>
+      </p:sp>
+      <p:sp>
+        <p:nvSpPr>
+          <p:cNvPr id="3" name="文本占位符 2"/>
+          <p:cNvSpPr>
+            <a:spLocks noGrp="1"/>
+          </p:cNvSpPr>
+          <p:nvPr>
+            <p:ph type="body" idx="3"/>
+          </p:nvPr>
+        </p:nvSpPr>
+        <p:spPr/>
+        <p:txBody>
+          <a:bodyPr/>
+          <a:lstStyle/>
+          <a:p>
+            <a:pPr lvl="2"/>
+            <a:r>
+              <a:rPr kumimoji="1" lang="zh-CN" altLang="zh-CN" sz="1200" b="1" kern="1200" dirty="0">
+                <a:solidFill>
+                  <a:schemeClr val="tx1"/>
+                </a:solidFill>
+                <a:effectLst/>
+                <a:latin typeface="Arial" panose="020B0604020202020204" pitchFamily="34" charset="0"/>
+                <a:ea typeface="宋体" panose="02010600030101010101" pitchFamily="2" charset="-122"/>
+                <a:cs typeface="+mn-cs"/>
+              </a:rPr>
+              <a:t>业务管理</a:t>
+            </a:r>
+            <a:endParaRPr kumimoji="1" lang="zh-CN" altLang="zh-CN" sz="1100" kern="1200" dirty="0">
+              <a:solidFill>
+                <a:schemeClr val="tx1"/>
+              </a:solidFill>
+              <a:effectLst/>
+              <a:latin typeface="Arial" panose="020B0604020202020204" pitchFamily="34" charset="0"/>
+              <a:ea typeface="宋体" panose="02010600030101010101" pitchFamily="2" charset="-122"/>
+              <a:cs typeface="+mn-cs"/>
+            </a:endParaRPr>
+          </a:p>
+          <a:p>
+            <a:r>
+              <a:rPr kumimoji="1" lang="zh-CN" altLang="zh-CN" sz="1200" kern="1200" dirty="0">
+                <a:solidFill>
+                  <a:schemeClr val="tx1"/>
+                </a:solidFill>
+                <a:effectLst/>
+                <a:latin typeface="Arial" panose="020B0604020202020204" pitchFamily="34" charset="0"/>
+                <a:ea typeface="宋体" panose="02010600030101010101" pitchFamily="2" charset="-122"/>
+                <a:cs typeface="宋体" panose="02010600030101010101" pitchFamily="2" charset="-122"/>
+              </a:rPr>
+              <a:t>业务人员在</a:t>
+            </a:r>
+            <a:r>
+              <a:rPr kumimoji="1" lang="en-US" altLang="zh-CN" sz="1200" kern="1200" dirty="0">
+                <a:solidFill>
+                  <a:schemeClr val="tx1"/>
+                </a:solidFill>
+                <a:effectLst/>
+                <a:latin typeface="Arial" panose="020B0604020202020204" pitchFamily="34" charset="0"/>
+                <a:ea typeface="宋体" panose="02010600030101010101" pitchFamily="2" charset="-122"/>
+                <a:cs typeface="宋体" panose="02010600030101010101" pitchFamily="2" charset="-122"/>
+              </a:rPr>
+              <a:t>CRM</a:t>
+            </a:r>
+            <a:r>
+              <a:rPr kumimoji="1" lang="zh-CN" altLang="zh-CN" sz="1200" kern="1200" dirty="0">
+                <a:solidFill>
+                  <a:schemeClr val="tx1"/>
+                </a:solidFill>
+                <a:effectLst/>
+                <a:latin typeface="Arial" panose="020B0604020202020204" pitchFamily="34" charset="0"/>
+                <a:ea typeface="宋体" panose="02010600030101010101" pitchFamily="2" charset="-122"/>
+                <a:cs typeface="宋体" panose="02010600030101010101" pitchFamily="2" charset="-122"/>
+              </a:rPr>
+              <a:t>系统进行客户管理、商务管理、销售管理等信息管理与维护，建立客户及联系人信息，录入客户跟进记录，发现销售商机，录入签约合同及服务订单。</a:t>
+            </a:r>
+            <a:endParaRPr kumimoji="1" lang="zh-CN" altLang="zh-CN" sz="1100" kern="1200" dirty="0">
+              <a:solidFill>
+                <a:schemeClr val="tx1"/>
+              </a:solidFill>
+              <a:effectLst/>
+              <a:latin typeface="Arial" panose="020B0604020202020204" pitchFamily="34" charset="0"/>
+              <a:ea typeface="宋体" panose="02010600030101010101" pitchFamily="2" charset="-122"/>
+              <a:cs typeface="宋体" panose="02010600030101010101" pitchFamily="2" charset="-122"/>
+            </a:endParaRPr>
+          </a:p>
+          <a:p>
+            <a:pPr lvl="2"/>
+            <a:r>
+              <a:rPr kumimoji="1" lang="zh-CN" altLang="zh-CN" sz="1200" b="1" kern="1200" dirty="0">
+                <a:solidFill>
+                  <a:schemeClr val="tx1"/>
+                </a:solidFill>
+                <a:effectLst/>
+                <a:latin typeface="Arial" panose="020B0604020202020204" pitchFamily="34" charset="0"/>
+                <a:ea typeface="宋体" panose="02010600030101010101" pitchFamily="2" charset="-122"/>
+                <a:cs typeface="+mn-cs"/>
+              </a:rPr>
+              <a:t>前台展示</a:t>
+            </a:r>
+            <a:endParaRPr kumimoji="1" lang="zh-CN" altLang="zh-CN" sz="1100" kern="1200" dirty="0">
+              <a:solidFill>
+                <a:schemeClr val="tx1"/>
+              </a:solidFill>
+              <a:effectLst/>
+              <a:latin typeface="Arial" panose="020B0604020202020204" pitchFamily="34" charset="0"/>
+              <a:ea typeface="宋体" panose="02010600030101010101" pitchFamily="2" charset="-122"/>
+              <a:cs typeface="+mn-cs"/>
+            </a:endParaRPr>
+          </a:p>
+          <a:p>
+            <a:r>
+              <a:rPr kumimoji="1" lang="zh-CN" altLang="zh-CN" sz="1200" kern="1200" dirty="0">
+                <a:solidFill>
+                  <a:schemeClr val="tx1"/>
+                </a:solidFill>
+                <a:effectLst/>
+                <a:latin typeface="Arial" panose="020B0604020202020204" pitchFamily="34" charset="0"/>
+                <a:ea typeface="宋体" panose="02010600030101010101" pitchFamily="2" charset="-122"/>
+                <a:cs typeface="宋体" panose="02010600030101010101" pitchFamily="2" charset="-122"/>
+              </a:rPr>
+              <a:t>前台展示包括客户及联系人信息展示，产品及订单展示，员工日程及活动记录展示等，移动</a:t>
+            </a:r>
+            <a:r>
+              <a:rPr kumimoji="1" lang="en-US" altLang="zh-CN" sz="1200" kern="1200" dirty="0">
+                <a:solidFill>
+                  <a:schemeClr val="tx1"/>
+                </a:solidFill>
+                <a:effectLst/>
+                <a:latin typeface="Arial" panose="020B0604020202020204" pitchFamily="34" charset="0"/>
+                <a:ea typeface="宋体" panose="02010600030101010101" pitchFamily="2" charset="-122"/>
+                <a:cs typeface="宋体" panose="02010600030101010101" pitchFamily="2" charset="-122"/>
+              </a:rPr>
+              <a:t>APP</a:t>
+            </a:r>
+            <a:r>
+              <a:rPr kumimoji="1" lang="zh-CN" altLang="zh-CN" sz="1200" kern="1200" dirty="0">
+                <a:solidFill>
+                  <a:schemeClr val="tx1"/>
+                </a:solidFill>
+                <a:effectLst/>
+                <a:latin typeface="Arial" panose="020B0604020202020204" pitchFamily="34" charset="0"/>
+                <a:ea typeface="宋体" panose="02010600030101010101" pitchFamily="2" charset="-122"/>
+                <a:cs typeface="宋体" panose="02010600030101010101" pitchFamily="2" charset="-122"/>
+              </a:rPr>
+              <a:t>端与</a:t>
+            </a:r>
+            <a:r>
+              <a:rPr kumimoji="1" lang="en-US" altLang="zh-CN" sz="1200" kern="1200" dirty="0">
+                <a:solidFill>
+                  <a:schemeClr val="tx1"/>
+                </a:solidFill>
+                <a:effectLst/>
+                <a:latin typeface="Arial" panose="020B0604020202020204" pitchFamily="34" charset="0"/>
+                <a:ea typeface="宋体" panose="02010600030101010101" pitchFamily="2" charset="-122"/>
+                <a:cs typeface="宋体" panose="02010600030101010101" pitchFamily="2" charset="-122"/>
+              </a:rPr>
+              <a:t>PC</a:t>
+            </a:r>
+            <a:r>
+              <a:rPr kumimoji="1" lang="zh-CN" altLang="zh-CN" sz="1200" kern="1200" dirty="0">
+                <a:solidFill>
+                  <a:schemeClr val="tx1"/>
+                </a:solidFill>
+                <a:effectLst/>
+                <a:latin typeface="Arial" panose="020B0604020202020204" pitchFamily="34" charset="0"/>
+                <a:ea typeface="宋体" panose="02010600030101010101" pitchFamily="2" charset="-122"/>
+                <a:cs typeface="宋体" panose="02010600030101010101" pitchFamily="2" charset="-122"/>
+              </a:rPr>
+              <a:t>网页端主要功能保持一致。</a:t>
+            </a:r>
+            <a:endParaRPr kumimoji="1" lang="zh-CN" altLang="zh-CN" sz="1100" kern="1200" dirty="0">
+              <a:solidFill>
+                <a:schemeClr val="tx1"/>
+              </a:solidFill>
+              <a:effectLst/>
+              <a:latin typeface="Arial" panose="020B0604020202020204" pitchFamily="34" charset="0"/>
+              <a:ea typeface="宋体" panose="02010600030101010101" pitchFamily="2" charset="-122"/>
+              <a:cs typeface="宋体" panose="02010600030101010101" pitchFamily="2" charset="-122"/>
+            </a:endParaRPr>
+          </a:p>
+          <a:p>
+            <a:pPr lvl="2"/>
+            <a:r>
+              <a:rPr kumimoji="1" lang="zh-CN" altLang="zh-CN" sz="1200" b="1" kern="1200" dirty="0">
+                <a:solidFill>
+                  <a:schemeClr val="tx1"/>
+                </a:solidFill>
+                <a:effectLst/>
+                <a:latin typeface="Arial" panose="020B0604020202020204" pitchFamily="34" charset="0"/>
+                <a:ea typeface="宋体" panose="02010600030101010101" pitchFamily="2" charset="-122"/>
+                <a:cs typeface="+mn-cs"/>
+              </a:rPr>
+              <a:t>后台管理</a:t>
+            </a:r>
+            <a:endParaRPr kumimoji="1" lang="zh-CN" altLang="zh-CN" sz="1100" kern="1200" dirty="0">
+              <a:solidFill>
+                <a:schemeClr val="tx1"/>
+              </a:solidFill>
+              <a:effectLst/>
+              <a:latin typeface="Arial" panose="020B0604020202020204" pitchFamily="34" charset="0"/>
+              <a:ea typeface="宋体" panose="02010600030101010101" pitchFamily="2" charset="-122"/>
+              <a:cs typeface="+mn-cs"/>
+            </a:endParaRPr>
+          </a:p>
+          <a:p>
+            <a:r>
+              <a:rPr kumimoji="1" lang="zh-CN" altLang="zh-CN" sz="1200" kern="1200" dirty="0">
+                <a:solidFill>
+                  <a:schemeClr val="tx1"/>
+                </a:solidFill>
+                <a:effectLst/>
+                <a:latin typeface="Arial" panose="020B0604020202020204" pitchFamily="34" charset="0"/>
+                <a:ea typeface="宋体" panose="02010600030101010101" pitchFamily="2" charset="-122"/>
+                <a:cs typeface="宋体" panose="02010600030101010101" pitchFamily="2" charset="-122"/>
+              </a:rPr>
+              <a:t>系统管理员可在后台进行用户权限管理、订单审批流程管理、业务参数管理、数据共享及隔离管理等。</a:t>
+            </a:r>
+            <a:endParaRPr kumimoji="1" lang="zh-CN" altLang="zh-CN" sz="1100" kern="1200" dirty="0">
+              <a:solidFill>
+                <a:schemeClr val="tx1"/>
+              </a:solidFill>
+              <a:effectLst/>
+              <a:latin typeface="Arial" panose="020B0604020202020204" pitchFamily="34" charset="0"/>
+              <a:ea typeface="宋体" panose="02010600030101010101" pitchFamily="2" charset="-122"/>
+              <a:cs typeface="宋体" panose="02010600030101010101" pitchFamily="2" charset="-122"/>
+            </a:endParaRPr>
+          </a:p>
+          <a:p>
+            <a:pPr lvl="2"/>
+            <a:r>
+              <a:rPr kumimoji="1" lang="zh-CN" altLang="zh-CN" sz="1200" b="1" kern="1200" dirty="0">
+                <a:solidFill>
+                  <a:schemeClr val="tx1"/>
+                </a:solidFill>
+                <a:effectLst/>
+                <a:latin typeface="Arial" panose="020B0604020202020204" pitchFamily="34" charset="0"/>
+                <a:ea typeface="宋体" panose="02010600030101010101" pitchFamily="2" charset="-122"/>
+                <a:cs typeface="+mn-cs"/>
+              </a:rPr>
+              <a:t>系统外联</a:t>
+            </a:r>
+            <a:endParaRPr kumimoji="1" lang="zh-CN" altLang="zh-CN" sz="1100" kern="1200" dirty="0">
+              <a:solidFill>
+                <a:schemeClr val="tx1"/>
+              </a:solidFill>
+              <a:effectLst/>
+              <a:latin typeface="Arial" panose="020B0604020202020204" pitchFamily="34" charset="0"/>
+              <a:ea typeface="宋体" panose="02010600030101010101" pitchFamily="2" charset="-122"/>
+              <a:cs typeface="+mn-cs"/>
+            </a:endParaRPr>
+          </a:p>
+          <a:p>
+            <a:r>
+              <a:rPr kumimoji="1" lang="zh-CN" altLang="zh-CN" sz="1200" kern="1200" dirty="0">
+                <a:solidFill>
+                  <a:schemeClr val="tx1"/>
+                </a:solidFill>
+                <a:effectLst/>
+                <a:latin typeface="Arial" panose="020B0604020202020204" pitchFamily="34" charset="0"/>
+                <a:ea typeface="宋体" panose="02010600030101010101" pitchFamily="2" charset="-122"/>
+                <a:cs typeface="宋体" panose="02010600030101010101" pitchFamily="2" charset="-122"/>
+              </a:rPr>
+              <a:t>对接其他系统，如公司的</a:t>
+            </a:r>
+            <a:r>
+              <a:rPr kumimoji="1" lang="en-US" altLang="zh-CN" sz="1200" kern="1200" dirty="0">
+                <a:solidFill>
+                  <a:schemeClr val="tx1"/>
+                </a:solidFill>
+                <a:effectLst/>
+                <a:latin typeface="Arial" panose="020B0604020202020204" pitchFamily="34" charset="0"/>
+                <a:ea typeface="宋体" panose="02010600030101010101" pitchFamily="2" charset="-122"/>
+                <a:cs typeface="宋体" panose="02010600030101010101" pitchFamily="2" charset="-122"/>
+              </a:rPr>
+              <a:t>APP</a:t>
+            </a:r>
+            <a:r>
+              <a:rPr kumimoji="1" lang="zh-CN" altLang="zh-CN" sz="1200" kern="1200" dirty="0">
+                <a:solidFill>
+                  <a:schemeClr val="tx1"/>
+                </a:solidFill>
+                <a:effectLst/>
+                <a:latin typeface="Arial" panose="020B0604020202020204" pitchFamily="34" charset="0"/>
+                <a:ea typeface="宋体" panose="02010600030101010101" pitchFamily="2" charset="-122"/>
+                <a:cs typeface="宋体" panose="02010600030101010101" pitchFamily="2" charset="-122"/>
+              </a:rPr>
+              <a:t>系统、金融模型平台、投研系统、统一用户管理系统等。</a:t>
+            </a:r>
+            <a:endParaRPr kumimoji="1" lang="zh-CN" altLang="zh-CN" sz="1100" kern="1200" dirty="0">
+              <a:solidFill>
+                <a:schemeClr val="tx1"/>
+              </a:solidFill>
+              <a:effectLst/>
+              <a:latin typeface="Arial" panose="020B0604020202020204" pitchFamily="34" charset="0"/>
+              <a:ea typeface="宋体" panose="02010600030101010101" pitchFamily="2" charset="-122"/>
+              <a:cs typeface="宋体" panose="02010600030101010101" pitchFamily="2" charset="-122"/>
+            </a:endParaRPr>
+          </a:p>
+          <a:p>
+            <a:endParaRPr lang="zh-CN" altLang="en-US" dirty="0"/>
+          </a:p>
+        </p:txBody>
+      </p:sp>
+    </p:spTree>
+  </p:cSld>
+  <p:clrMapOvr>
+    <a:masterClrMapping/>
+  </p:clrMapOvr>
+</p:notes>
+</file>
+
+<file path=ppt/notesSlides/notesSlide5.xml><?xml version="1.0" encoding="utf-8"?>
+<p:notes xmlns:a="http://schemas.openxmlformats.org/drawingml/2006/main" xmlns:r="http://schemas.openxmlformats.org/officeDocument/2006/relationships" xmlns:p="http://schemas.openxmlformats.org/presentationml/2006/main">
+  <p:cSld>
+    <p:spTree>
+      <p:nvGrpSpPr>
+        <p:cNvPr id="1" name=""/>
+        <p:cNvGrpSpPr/>
+        <p:nvPr/>
+      </p:nvGrpSpPr>
+      <p:grpSpPr>
+        <a:xfrm>
+          <a:off x="0" y="0"/>
+          <a:ext cx="0" cy="0"/>
+          <a:chOff x="0" y="0"/>
+          <a:chExt cx="0" cy="0"/>
+        </a:xfrm>
+      </p:grpSpPr>
+      <p:sp>
+        <p:nvSpPr>
+          <p:cNvPr id="2" name="幻灯片图像占位符 1"/>
+          <p:cNvSpPr>
+            <a:spLocks noGrp="1" noRot="1" noChangeAspect="1"/>
+          </p:cNvSpPr>
+          <p:nvPr>
+            <p:ph type="sldImg" idx="2"/>
+          </p:nvPr>
+        </p:nvSpPr>
+        <p:spPr>
+          <a:xfrm>
+            <a:off x="458788" y="685800"/>
+            <a:ext cx="5940425" cy="3429000"/>
+          </a:xfrm>
+        </p:spPr>
+      </p:sp>
+      <p:sp>
+        <p:nvSpPr>
+          <p:cNvPr id="3" name="文本占位符 2"/>
+          <p:cNvSpPr>
+            <a:spLocks noGrp="1"/>
+          </p:cNvSpPr>
+          <p:nvPr>
+            <p:ph type="body" idx="3"/>
+          </p:nvPr>
+        </p:nvSpPr>
+        <p:spPr/>
+        <p:txBody>
+          <a:bodyPr/>
+          <a:lstStyle/>
+          <a:p>
+            <a:pPr lvl="2"/>
+            <a:r>
+              <a:rPr kumimoji="1" lang="zh-CN" altLang="zh-CN" sz="1200" b="1" kern="1200" dirty="0">
+                <a:solidFill>
+                  <a:schemeClr val="tx1"/>
+                </a:solidFill>
+                <a:effectLst/>
+                <a:latin typeface="Arial" panose="020B0604020202020204" pitchFamily="34" charset="0"/>
+                <a:ea typeface="宋体" panose="02010600030101010101" pitchFamily="2" charset="-122"/>
+                <a:cs typeface="+mn-cs"/>
+              </a:rPr>
+              <a:t>业务管理</a:t>
+            </a:r>
+            <a:endParaRPr kumimoji="1" lang="zh-CN" altLang="zh-CN" sz="1100" kern="1200" dirty="0">
+              <a:solidFill>
+                <a:schemeClr val="tx1"/>
+              </a:solidFill>
+              <a:effectLst/>
+              <a:latin typeface="Arial" panose="020B0604020202020204" pitchFamily="34" charset="0"/>
+              <a:ea typeface="宋体" panose="02010600030101010101" pitchFamily="2" charset="-122"/>
+              <a:cs typeface="+mn-cs"/>
+            </a:endParaRPr>
+          </a:p>
+          <a:p>
+            <a:r>
+              <a:rPr kumimoji="1" lang="zh-CN" altLang="zh-CN" sz="1200" kern="1200" dirty="0">
+                <a:solidFill>
+                  <a:schemeClr val="tx1"/>
+                </a:solidFill>
+                <a:effectLst/>
+                <a:latin typeface="Arial" panose="020B0604020202020204" pitchFamily="34" charset="0"/>
+                <a:ea typeface="宋体" panose="02010600030101010101" pitchFamily="2" charset="-122"/>
+                <a:cs typeface="宋体" panose="02010600030101010101" pitchFamily="2" charset="-122"/>
+              </a:rPr>
+              <a:t>业务人员在</a:t>
+            </a:r>
+            <a:r>
+              <a:rPr kumimoji="1" lang="en-US" altLang="zh-CN" sz="1200" kern="1200" dirty="0">
+                <a:solidFill>
+                  <a:schemeClr val="tx1"/>
+                </a:solidFill>
+                <a:effectLst/>
+                <a:latin typeface="Arial" panose="020B0604020202020204" pitchFamily="34" charset="0"/>
+                <a:ea typeface="宋体" panose="02010600030101010101" pitchFamily="2" charset="-122"/>
+                <a:cs typeface="宋体" panose="02010600030101010101" pitchFamily="2" charset="-122"/>
+              </a:rPr>
+              <a:t>CRM</a:t>
+            </a:r>
+            <a:r>
+              <a:rPr kumimoji="1" lang="zh-CN" altLang="zh-CN" sz="1200" kern="1200" dirty="0">
+                <a:solidFill>
+                  <a:schemeClr val="tx1"/>
+                </a:solidFill>
+                <a:effectLst/>
+                <a:latin typeface="Arial" panose="020B0604020202020204" pitchFamily="34" charset="0"/>
+                <a:ea typeface="宋体" panose="02010600030101010101" pitchFamily="2" charset="-122"/>
+                <a:cs typeface="宋体" panose="02010600030101010101" pitchFamily="2" charset="-122"/>
+              </a:rPr>
+              <a:t>系统进行客户管理、商务管理、销售管理等信息管理与维护，建立客户及联系人信息，录入客户跟进记录，发现销售商机，录入签约合同及服务订单。</a:t>
+            </a:r>
+            <a:endParaRPr kumimoji="1" lang="zh-CN" altLang="zh-CN" sz="1100" kern="1200" dirty="0">
+              <a:solidFill>
+                <a:schemeClr val="tx1"/>
+              </a:solidFill>
+              <a:effectLst/>
+              <a:latin typeface="Arial" panose="020B0604020202020204" pitchFamily="34" charset="0"/>
+              <a:ea typeface="宋体" panose="02010600030101010101" pitchFamily="2" charset="-122"/>
+              <a:cs typeface="宋体" panose="02010600030101010101" pitchFamily="2" charset="-122"/>
+            </a:endParaRPr>
+          </a:p>
+          <a:p>
+            <a:pPr lvl="2"/>
+            <a:r>
+              <a:rPr kumimoji="1" lang="zh-CN" altLang="zh-CN" sz="1200" b="1" kern="1200" dirty="0">
+                <a:solidFill>
+                  <a:schemeClr val="tx1"/>
+                </a:solidFill>
+                <a:effectLst/>
+                <a:latin typeface="Arial" panose="020B0604020202020204" pitchFamily="34" charset="0"/>
+                <a:ea typeface="宋体" panose="02010600030101010101" pitchFamily="2" charset="-122"/>
+                <a:cs typeface="+mn-cs"/>
+              </a:rPr>
+              <a:t>前台展示</a:t>
+            </a:r>
+            <a:endParaRPr kumimoji="1" lang="zh-CN" altLang="zh-CN" sz="1100" kern="1200" dirty="0">
+              <a:solidFill>
+                <a:schemeClr val="tx1"/>
+              </a:solidFill>
+              <a:effectLst/>
+              <a:latin typeface="Arial" panose="020B0604020202020204" pitchFamily="34" charset="0"/>
+              <a:ea typeface="宋体" panose="02010600030101010101" pitchFamily="2" charset="-122"/>
+              <a:cs typeface="+mn-cs"/>
+            </a:endParaRPr>
+          </a:p>
+          <a:p>
+            <a:r>
+              <a:rPr kumimoji="1" lang="zh-CN" altLang="zh-CN" sz="1200" kern="1200" dirty="0">
+                <a:solidFill>
+                  <a:schemeClr val="tx1"/>
+                </a:solidFill>
+                <a:effectLst/>
+                <a:latin typeface="Arial" panose="020B0604020202020204" pitchFamily="34" charset="0"/>
+                <a:ea typeface="宋体" panose="02010600030101010101" pitchFamily="2" charset="-122"/>
+                <a:cs typeface="宋体" panose="02010600030101010101" pitchFamily="2" charset="-122"/>
+              </a:rPr>
+              <a:t>前台展示包括客户及联系人信息展示，产品及订单展示，员工日程及活动记录展示等，移动</a:t>
+            </a:r>
+            <a:r>
+              <a:rPr kumimoji="1" lang="en-US" altLang="zh-CN" sz="1200" kern="1200" dirty="0">
+                <a:solidFill>
+                  <a:schemeClr val="tx1"/>
+                </a:solidFill>
+                <a:effectLst/>
+                <a:latin typeface="Arial" panose="020B0604020202020204" pitchFamily="34" charset="0"/>
+                <a:ea typeface="宋体" panose="02010600030101010101" pitchFamily="2" charset="-122"/>
+                <a:cs typeface="宋体" panose="02010600030101010101" pitchFamily="2" charset="-122"/>
+              </a:rPr>
+              <a:t>APP</a:t>
+            </a:r>
+            <a:r>
+              <a:rPr kumimoji="1" lang="zh-CN" altLang="zh-CN" sz="1200" kern="1200" dirty="0">
+                <a:solidFill>
+                  <a:schemeClr val="tx1"/>
+                </a:solidFill>
+                <a:effectLst/>
+                <a:latin typeface="Arial" panose="020B0604020202020204" pitchFamily="34" charset="0"/>
+                <a:ea typeface="宋体" panose="02010600030101010101" pitchFamily="2" charset="-122"/>
+                <a:cs typeface="宋体" panose="02010600030101010101" pitchFamily="2" charset="-122"/>
+              </a:rPr>
+              <a:t>端与</a:t>
+            </a:r>
+            <a:r>
+              <a:rPr kumimoji="1" lang="en-US" altLang="zh-CN" sz="1200" kern="1200" dirty="0">
+                <a:solidFill>
+                  <a:schemeClr val="tx1"/>
+                </a:solidFill>
+                <a:effectLst/>
+                <a:latin typeface="Arial" panose="020B0604020202020204" pitchFamily="34" charset="0"/>
+                <a:ea typeface="宋体" panose="02010600030101010101" pitchFamily="2" charset="-122"/>
+                <a:cs typeface="宋体" panose="02010600030101010101" pitchFamily="2" charset="-122"/>
+              </a:rPr>
+              <a:t>PC</a:t>
+            </a:r>
+            <a:r>
+              <a:rPr kumimoji="1" lang="zh-CN" altLang="zh-CN" sz="1200" kern="1200" dirty="0">
+                <a:solidFill>
+                  <a:schemeClr val="tx1"/>
+                </a:solidFill>
+                <a:effectLst/>
+                <a:latin typeface="Arial" panose="020B0604020202020204" pitchFamily="34" charset="0"/>
+                <a:ea typeface="宋体" panose="02010600030101010101" pitchFamily="2" charset="-122"/>
+                <a:cs typeface="宋体" panose="02010600030101010101" pitchFamily="2" charset="-122"/>
+              </a:rPr>
+              <a:t>网页端主要功能保持一致。</a:t>
+            </a:r>
+            <a:endParaRPr kumimoji="1" lang="zh-CN" altLang="zh-CN" sz="1100" kern="1200" dirty="0">
+              <a:solidFill>
+                <a:schemeClr val="tx1"/>
+              </a:solidFill>
+              <a:effectLst/>
+              <a:latin typeface="Arial" panose="020B0604020202020204" pitchFamily="34" charset="0"/>
+              <a:ea typeface="宋体" panose="02010600030101010101" pitchFamily="2" charset="-122"/>
+              <a:cs typeface="宋体" panose="02010600030101010101" pitchFamily="2" charset="-122"/>
+            </a:endParaRPr>
+          </a:p>
+          <a:p>
+            <a:pPr lvl="2"/>
+            <a:r>
+              <a:rPr kumimoji="1" lang="zh-CN" altLang="zh-CN" sz="1200" b="1" kern="1200" dirty="0">
+                <a:solidFill>
+                  <a:schemeClr val="tx1"/>
+                </a:solidFill>
+                <a:effectLst/>
+                <a:latin typeface="Arial" panose="020B0604020202020204" pitchFamily="34" charset="0"/>
+                <a:ea typeface="宋体" panose="02010600030101010101" pitchFamily="2" charset="-122"/>
+                <a:cs typeface="+mn-cs"/>
+              </a:rPr>
+              <a:t>后台管理</a:t>
+            </a:r>
+            <a:endParaRPr kumimoji="1" lang="zh-CN" altLang="zh-CN" sz="1100" kern="1200" dirty="0">
+              <a:solidFill>
+                <a:schemeClr val="tx1"/>
+              </a:solidFill>
+              <a:effectLst/>
+              <a:latin typeface="Arial" panose="020B0604020202020204" pitchFamily="34" charset="0"/>
+              <a:ea typeface="宋体" panose="02010600030101010101" pitchFamily="2" charset="-122"/>
+              <a:cs typeface="+mn-cs"/>
+            </a:endParaRPr>
+          </a:p>
+          <a:p>
+            <a:r>
+              <a:rPr kumimoji="1" lang="zh-CN" altLang="zh-CN" sz="1200" kern="1200" dirty="0">
+                <a:solidFill>
+                  <a:schemeClr val="tx1"/>
+                </a:solidFill>
+                <a:effectLst/>
+                <a:latin typeface="Arial" panose="020B0604020202020204" pitchFamily="34" charset="0"/>
+                <a:ea typeface="宋体" panose="02010600030101010101" pitchFamily="2" charset="-122"/>
+                <a:cs typeface="宋体" panose="02010600030101010101" pitchFamily="2" charset="-122"/>
+              </a:rPr>
+              <a:t>系统管理员可在后台进行用户权限管理、订单审批流程管理、业务参数管理、数据共享及隔离管理等。</a:t>
+            </a:r>
+            <a:endParaRPr kumimoji="1" lang="zh-CN" altLang="zh-CN" sz="1100" kern="1200" dirty="0">
+              <a:solidFill>
+                <a:schemeClr val="tx1"/>
+              </a:solidFill>
+              <a:effectLst/>
+              <a:latin typeface="Arial" panose="020B0604020202020204" pitchFamily="34" charset="0"/>
+              <a:ea typeface="宋体" panose="02010600030101010101" pitchFamily="2" charset="-122"/>
+              <a:cs typeface="宋体" panose="02010600030101010101" pitchFamily="2" charset="-122"/>
+            </a:endParaRPr>
+          </a:p>
+          <a:p>
+            <a:pPr lvl="2"/>
+            <a:r>
+              <a:rPr kumimoji="1" lang="zh-CN" altLang="zh-CN" sz="1200" b="1" kern="1200" dirty="0">
+                <a:solidFill>
+                  <a:schemeClr val="tx1"/>
+                </a:solidFill>
+                <a:effectLst/>
+                <a:latin typeface="Arial" panose="020B0604020202020204" pitchFamily="34" charset="0"/>
+                <a:ea typeface="宋体" panose="02010600030101010101" pitchFamily="2" charset="-122"/>
+                <a:cs typeface="+mn-cs"/>
+              </a:rPr>
+              <a:t>系统外联</a:t>
+            </a:r>
+            <a:endParaRPr kumimoji="1" lang="zh-CN" altLang="zh-CN" sz="1100" kern="1200" dirty="0">
+              <a:solidFill>
+                <a:schemeClr val="tx1"/>
+              </a:solidFill>
+              <a:effectLst/>
+              <a:latin typeface="Arial" panose="020B0604020202020204" pitchFamily="34" charset="0"/>
+              <a:ea typeface="宋体" panose="02010600030101010101" pitchFamily="2" charset="-122"/>
+              <a:cs typeface="+mn-cs"/>
+            </a:endParaRPr>
+          </a:p>
+          <a:p>
+            <a:r>
+              <a:rPr kumimoji="1" lang="zh-CN" altLang="zh-CN" sz="1200" kern="1200" dirty="0">
+                <a:solidFill>
+                  <a:schemeClr val="tx1"/>
+                </a:solidFill>
+                <a:effectLst/>
+                <a:latin typeface="Arial" panose="020B0604020202020204" pitchFamily="34" charset="0"/>
+                <a:ea typeface="宋体" panose="02010600030101010101" pitchFamily="2" charset="-122"/>
+                <a:cs typeface="宋体" panose="02010600030101010101" pitchFamily="2" charset="-122"/>
+              </a:rPr>
+              <a:t>对接其他系统，如公司的</a:t>
+            </a:r>
+            <a:r>
+              <a:rPr kumimoji="1" lang="en-US" altLang="zh-CN" sz="1200" kern="1200" dirty="0">
+                <a:solidFill>
+                  <a:schemeClr val="tx1"/>
+                </a:solidFill>
+                <a:effectLst/>
+                <a:latin typeface="Arial" panose="020B0604020202020204" pitchFamily="34" charset="0"/>
+                <a:ea typeface="宋体" panose="02010600030101010101" pitchFamily="2" charset="-122"/>
+                <a:cs typeface="宋体" panose="02010600030101010101" pitchFamily="2" charset="-122"/>
+              </a:rPr>
+              <a:t>APP</a:t>
+            </a:r>
+            <a:r>
+              <a:rPr kumimoji="1" lang="zh-CN" altLang="zh-CN" sz="1200" kern="1200" dirty="0">
+                <a:solidFill>
+                  <a:schemeClr val="tx1"/>
+                </a:solidFill>
+                <a:effectLst/>
+                <a:latin typeface="Arial" panose="020B0604020202020204" pitchFamily="34" charset="0"/>
+                <a:ea typeface="宋体" panose="02010600030101010101" pitchFamily="2" charset="-122"/>
+                <a:cs typeface="宋体" panose="02010600030101010101" pitchFamily="2" charset="-122"/>
+              </a:rPr>
+              <a:t>系统、金融模型平台、投研系统、统一用户管理系统等。</a:t>
+            </a:r>
+            <a:endParaRPr kumimoji="1" lang="zh-CN" altLang="zh-CN" sz="1100" kern="1200" dirty="0">
+              <a:solidFill>
+                <a:schemeClr val="tx1"/>
+              </a:solidFill>
+              <a:effectLst/>
+              <a:latin typeface="Arial" panose="020B0604020202020204" pitchFamily="34" charset="0"/>
+              <a:ea typeface="宋体" panose="02010600030101010101" pitchFamily="2" charset="-122"/>
+              <a:cs typeface="宋体" panose="02010600030101010101" pitchFamily="2" charset="-122"/>
+            </a:endParaRPr>
+          </a:p>
+          <a:p>
+            <a:endParaRPr lang="zh-CN" altLang="en-US" dirty="0"/>
+          </a:p>
+        </p:txBody>
+      </p:sp>
+    </p:spTree>
+  </p:cSld>
+  <p:clrMapOvr>
+    <a:masterClrMapping/>
+  </p:clrMapOvr>
+</p:notes>
+</file>
+
+<file path=ppt/notesSlides/notesSlide6.xml><?xml version="1.0" encoding="utf-8"?>
+<p:notes xmlns:a="http://schemas.openxmlformats.org/drawingml/2006/main" xmlns:r="http://schemas.openxmlformats.org/officeDocument/2006/relationships" xmlns:p="http://schemas.openxmlformats.org/presentationml/2006/main">
+  <p:cSld>
+    <p:spTree>
+      <p:nvGrpSpPr>
+        <p:cNvPr id="1" name=""/>
+        <p:cNvGrpSpPr/>
+        <p:nvPr/>
+      </p:nvGrpSpPr>
+      <p:grpSpPr>
+        <a:xfrm>
+          <a:off x="0" y="0"/>
+          <a:ext cx="0" cy="0"/>
+          <a:chOff x="0" y="0"/>
+          <a:chExt cx="0" cy="0"/>
+        </a:xfrm>
+      </p:grpSpPr>
+      <p:sp>
+        <p:nvSpPr>
+          <p:cNvPr id="2" name="幻灯片图像占位符 1"/>
+          <p:cNvSpPr>
+            <a:spLocks noGrp="1" noRot="1" noChangeAspect="1"/>
+          </p:cNvSpPr>
+          <p:nvPr>
+            <p:ph type="sldImg" idx="2"/>
+          </p:nvPr>
+        </p:nvSpPr>
+        <p:spPr>
+          <a:xfrm>
+            <a:off x="458788" y="685800"/>
+            <a:ext cx="5940425" cy="3429000"/>
+          </a:xfrm>
+        </p:spPr>
+      </p:sp>
+      <p:sp>
+        <p:nvSpPr>
+          <p:cNvPr id="3" name="文本占位符 2"/>
+          <p:cNvSpPr>
+            <a:spLocks noGrp="1"/>
+          </p:cNvSpPr>
+          <p:nvPr>
+            <p:ph type="body" idx="3"/>
+          </p:nvPr>
+        </p:nvSpPr>
+        <p:spPr/>
+        <p:txBody>
+          <a:bodyPr/>
+          <a:lstStyle/>
+          <a:p>
+            <a:pPr lvl="2"/>
+            <a:r>
+              <a:rPr kumimoji="1" lang="zh-CN" altLang="zh-CN" sz="1200" b="1" kern="1200" dirty="0">
+                <a:solidFill>
+                  <a:schemeClr val="tx1"/>
+                </a:solidFill>
+                <a:effectLst/>
+                <a:latin typeface="Arial" panose="020B0604020202020204" pitchFamily="34" charset="0"/>
+                <a:ea typeface="宋体" panose="02010600030101010101" pitchFamily="2" charset="-122"/>
+                <a:cs typeface="+mn-cs"/>
+              </a:rPr>
+              <a:t>业务管理</a:t>
+            </a:r>
+            <a:endParaRPr kumimoji="1" lang="zh-CN" altLang="zh-CN" sz="1100" kern="1200" dirty="0">
+              <a:solidFill>
+                <a:schemeClr val="tx1"/>
+              </a:solidFill>
+              <a:effectLst/>
+              <a:latin typeface="Arial" panose="020B0604020202020204" pitchFamily="34" charset="0"/>
+              <a:ea typeface="宋体" panose="02010600030101010101" pitchFamily="2" charset="-122"/>
+              <a:cs typeface="+mn-cs"/>
+            </a:endParaRPr>
+          </a:p>
+          <a:p>
+            <a:r>
+              <a:rPr kumimoji="1" lang="zh-CN" altLang="zh-CN" sz="1200" kern="1200" dirty="0">
+                <a:solidFill>
+                  <a:schemeClr val="tx1"/>
+                </a:solidFill>
+                <a:effectLst/>
+                <a:latin typeface="Arial" panose="020B0604020202020204" pitchFamily="34" charset="0"/>
+                <a:ea typeface="宋体" panose="02010600030101010101" pitchFamily="2" charset="-122"/>
+                <a:cs typeface="宋体" panose="02010600030101010101" pitchFamily="2" charset="-122"/>
+              </a:rPr>
+              <a:t>业务人员在</a:t>
+            </a:r>
+            <a:r>
+              <a:rPr kumimoji="1" lang="en-US" altLang="zh-CN" sz="1200" kern="1200" dirty="0">
+                <a:solidFill>
+                  <a:schemeClr val="tx1"/>
+                </a:solidFill>
+                <a:effectLst/>
+                <a:latin typeface="Arial" panose="020B0604020202020204" pitchFamily="34" charset="0"/>
+                <a:ea typeface="宋体" panose="02010600030101010101" pitchFamily="2" charset="-122"/>
+                <a:cs typeface="宋体" panose="02010600030101010101" pitchFamily="2" charset="-122"/>
+              </a:rPr>
+              <a:t>CRM</a:t>
+            </a:r>
+            <a:r>
+              <a:rPr kumimoji="1" lang="zh-CN" altLang="zh-CN" sz="1200" kern="1200" dirty="0">
+                <a:solidFill>
+                  <a:schemeClr val="tx1"/>
+                </a:solidFill>
+                <a:effectLst/>
+                <a:latin typeface="Arial" panose="020B0604020202020204" pitchFamily="34" charset="0"/>
+                <a:ea typeface="宋体" panose="02010600030101010101" pitchFamily="2" charset="-122"/>
+                <a:cs typeface="宋体" panose="02010600030101010101" pitchFamily="2" charset="-122"/>
+              </a:rPr>
+              <a:t>系统进行客户管理、商务管理、销售管理等信息管理与维护，建立客户及联系人信息，录入客户跟进记录，发现销售商机，录入签约合同及服务订单。</a:t>
+            </a:r>
+            <a:endParaRPr kumimoji="1" lang="zh-CN" altLang="zh-CN" sz="1100" kern="1200" dirty="0">
+              <a:solidFill>
+                <a:schemeClr val="tx1"/>
+              </a:solidFill>
+              <a:effectLst/>
+              <a:latin typeface="Arial" panose="020B0604020202020204" pitchFamily="34" charset="0"/>
+              <a:ea typeface="宋体" panose="02010600030101010101" pitchFamily="2" charset="-122"/>
+              <a:cs typeface="宋体" panose="02010600030101010101" pitchFamily="2" charset="-122"/>
+            </a:endParaRPr>
+          </a:p>
+          <a:p>
+            <a:pPr lvl="2"/>
+            <a:r>
+              <a:rPr kumimoji="1" lang="zh-CN" altLang="zh-CN" sz="1200" b="1" kern="1200" dirty="0">
+                <a:solidFill>
+                  <a:schemeClr val="tx1"/>
+                </a:solidFill>
+                <a:effectLst/>
+                <a:latin typeface="Arial" panose="020B0604020202020204" pitchFamily="34" charset="0"/>
+                <a:ea typeface="宋体" panose="02010600030101010101" pitchFamily="2" charset="-122"/>
+                <a:cs typeface="+mn-cs"/>
+              </a:rPr>
+              <a:t>前台展示</a:t>
+            </a:r>
+            <a:endParaRPr kumimoji="1" lang="zh-CN" altLang="zh-CN" sz="1100" kern="1200" dirty="0">
+              <a:solidFill>
+                <a:schemeClr val="tx1"/>
+              </a:solidFill>
+              <a:effectLst/>
+              <a:latin typeface="Arial" panose="020B0604020202020204" pitchFamily="34" charset="0"/>
+              <a:ea typeface="宋体" panose="02010600030101010101" pitchFamily="2" charset="-122"/>
+              <a:cs typeface="+mn-cs"/>
+            </a:endParaRPr>
+          </a:p>
+          <a:p>
+            <a:r>
+              <a:rPr kumimoji="1" lang="zh-CN" altLang="zh-CN" sz="1200" kern="1200" dirty="0">
+                <a:solidFill>
+                  <a:schemeClr val="tx1"/>
+                </a:solidFill>
+                <a:effectLst/>
+                <a:latin typeface="Arial" panose="020B0604020202020204" pitchFamily="34" charset="0"/>
+                <a:ea typeface="宋体" panose="02010600030101010101" pitchFamily="2" charset="-122"/>
+                <a:cs typeface="宋体" panose="02010600030101010101" pitchFamily="2" charset="-122"/>
+              </a:rPr>
+              <a:t>前台展示包括客户及联系人信息展示，产品及订单展示，员工日程及活动记录展示等，移动</a:t>
+            </a:r>
+            <a:r>
+              <a:rPr kumimoji="1" lang="en-US" altLang="zh-CN" sz="1200" kern="1200" dirty="0">
+                <a:solidFill>
+                  <a:schemeClr val="tx1"/>
+                </a:solidFill>
+                <a:effectLst/>
+                <a:latin typeface="Arial" panose="020B0604020202020204" pitchFamily="34" charset="0"/>
+                <a:ea typeface="宋体" panose="02010600030101010101" pitchFamily="2" charset="-122"/>
+                <a:cs typeface="宋体" panose="02010600030101010101" pitchFamily="2" charset="-122"/>
+              </a:rPr>
+              <a:t>APP</a:t>
+            </a:r>
+            <a:r>
+              <a:rPr kumimoji="1" lang="zh-CN" altLang="zh-CN" sz="1200" kern="1200" dirty="0">
+                <a:solidFill>
+                  <a:schemeClr val="tx1"/>
+                </a:solidFill>
+                <a:effectLst/>
+                <a:latin typeface="Arial" panose="020B0604020202020204" pitchFamily="34" charset="0"/>
+                <a:ea typeface="宋体" panose="02010600030101010101" pitchFamily="2" charset="-122"/>
+                <a:cs typeface="宋体" panose="02010600030101010101" pitchFamily="2" charset="-122"/>
+              </a:rPr>
+              <a:t>端与</a:t>
+            </a:r>
+            <a:r>
+              <a:rPr kumimoji="1" lang="en-US" altLang="zh-CN" sz="1200" kern="1200" dirty="0">
+                <a:solidFill>
+                  <a:schemeClr val="tx1"/>
+                </a:solidFill>
+                <a:effectLst/>
+                <a:latin typeface="Arial" panose="020B0604020202020204" pitchFamily="34" charset="0"/>
+                <a:ea typeface="宋体" panose="02010600030101010101" pitchFamily="2" charset="-122"/>
+                <a:cs typeface="宋体" panose="02010600030101010101" pitchFamily="2" charset="-122"/>
+              </a:rPr>
+              <a:t>PC</a:t>
+            </a:r>
+            <a:r>
+              <a:rPr kumimoji="1" lang="zh-CN" altLang="zh-CN" sz="1200" kern="1200" dirty="0">
+                <a:solidFill>
+                  <a:schemeClr val="tx1"/>
+                </a:solidFill>
+                <a:effectLst/>
+                <a:latin typeface="Arial" panose="020B0604020202020204" pitchFamily="34" charset="0"/>
+                <a:ea typeface="宋体" panose="02010600030101010101" pitchFamily="2" charset="-122"/>
+                <a:cs typeface="宋体" panose="02010600030101010101" pitchFamily="2" charset="-122"/>
+              </a:rPr>
+              <a:t>网页端主要功能保持一致。</a:t>
+            </a:r>
+            <a:endParaRPr kumimoji="1" lang="zh-CN" altLang="zh-CN" sz="1100" kern="1200" dirty="0">
+              <a:solidFill>
+                <a:schemeClr val="tx1"/>
+              </a:solidFill>
+              <a:effectLst/>
+              <a:latin typeface="Arial" panose="020B0604020202020204" pitchFamily="34" charset="0"/>
+              <a:ea typeface="宋体" panose="02010600030101010101" pitchFamily="2" charset="-122"/>
+              <a:cs typeface="宋体" panose="02010600030101010101" pitchFamily="2" charset="-122"/>
+            </a:endParaRPr>
+          </a:p>
+          <a:p>
+            <a:pPr lvl="2"/>
+            <a:r>
+              <a:rPr kumimoji="1" lang="zh-CN" altLang="zh-CN" sz="1200" b="1" kern="1200" dirty="0">
+                <a:solidFill>
+                  <a:schemeClr val="tx1"/>
+                </a:solidFill>
+                <a:effectLst/>
+                <a:latin typeface="Arial" panose="020B0604020202020204" pitchFamily="34" charset="0"/>
+                <a:ea typeface="宋体" panose="02010600030101010101" pitchFamily="2" charset="-122"/>
+                <a:cs typeface="+mn-cs"/>
+              </a:rPr>
+              <a:t>后台管理</a:t>
+            </a:r>
+            <a:endParaRPr kumimoji="1" lang="zh-CN" altLang="zh-CN" sz="1100" kern="1200" dirty="0">
+              <a:solidFill>
+                <a:schemeClr val="tx1"/>
+              </a:solidFill>
+              <a:effectLst/>
+              <a:latin typeface="Arial" panose="020B0604020202020204" pitchFamily="34" charset="0"/>
+              <a:ea typeface="宋体" panose="02010600030101010101" pitchFamily="2" charset="-122"/>
+              <a:cs typeface="+mn-cs"/>
+            </a:endParaRPr>
+          </a:p>
+          <a:p>
+            <a:r>
+              <a:rPr kumimoji="1" lang="zh-CN" altLang="zh-CN" sz="1200" kern="1200" dirty="0">
+                <a:solidFill>
+                  <a:schemeClr val="tx1"/>
+                </a:solidFill>
+                <a:effectLst/>
+                <a:latin typeface="Arial" panose="020B0604020202020204" pitchFamily="34" charset="0"/>
+                <a:ea typeface="宋体" panose="02010600030101010101" pitchFamily="2" charset="-122"/>
+                <a:cs typeface="宋体" panose="02010600030101010101" pitchFamily="2" charset="-122"/>
+              </a:rPr>
+              <a:t>系统管理员可在后台进行用户权限管理、订单审批流程管理、业务参数管理、数据共享及隔离管理等。</a:t>
+            </a:r>
+            <a:endParaRPr kumimoji="1" lang="zh-CN" altLang="zh-CN" sz="1100" kern="1200" dirty="0">
+              <a:solidFill>
+                <a:schemeClr val="tx1"/>
+              </a:solidFill>
+              <a:effectLst/>
+              <a:latin typeface="Arial" panose="020B0604020202020204" pitchFamily="34" charset="0"/>
+              <a:ea typeface="宋体" panose="02010600030101010101" pitchFamily="2" charset="-122"/>
+              <a:cs typeface="宋体" panose="02010600030101010101" pitchFamily="2" charset="-122"/>
+            </a:endParaRPr>
+          </a:p>
+          <a:p>
+            <a:pPr lvl="2"/>
+            <a:r>
+              <a:rPr kumimoji="1" lang="zh-CN" altLang="zh-CN" sz="1200" b="1" kern="1200" dirty="0">
+                <a:solidFill>
+                  <a:schemeClr val="tx1"/>
+                </a:solidFill>
+                <a:effectLst/>
+                <a:latin typeface="Arial" panose="020B0604020202020204" pitchFamily="34" charset="0"/>
+                <a:ea typeface="宋体" panose="02010600030101010101" pitchFamily="2" charset="-122"/>
+                <a:cs typeface="+mn-cs"/>
+              </a:rPr>
+              <a:t>系统外联</a:t>
+            </a:r>
+            <a:endParaRPr kumimoji="1" lang="zh-CN" altLang="zh-CN" sz="1100" kern="1200" dirty="0">
+              <a:solidFill>
+                <a:schemeClr val="tx1"/>
+              </a:solidFill>
+              <a:effectLst/>
+              <a:latin typeface="Arial" panose="020B0604020202020204" pitchFamily="34" charset="0"/>
+              <a:ea typeface="宋体" panose="02010600030101010101" pitchFamily="2" charset="-122"/>
+              <a:cs typeface="+mn-cs"/>
+            </a:endParaRPr>
+          </a:p>
+          <a:p>
+            <a:r>
+              <a:rPr kumimoji="1" lang="zh-CN" altLang="zh-CN" sz="1200" kern="1200" dirty="0">
+                <a:solidFill>
+                  <a:schemeClr val="tx1"/>
+                </a:solidFill>
+                <a:effectLst/>
+                <a:latin typeface="Arial" panose="020B0604020202020204" pitchFamily="34" charset="0"/>
+                <a:ea typeface="宋体" panose="02010600030101010101" pitchFamily="2" charset="-122"/>
+                <a:cs typeface="宋体" panose="02010600030101010101" pitchFamily="2" charset="-122"/>
+              </a:rPr>
+              <a:t>对接其他系统，如公司的</a:t>
+            </a:r>
+            <a:r>
+              <a:rPr kumimoji="1" lang="en-US" altLang="zh-CN" sz="1200" kern="1200" dirty="0">
+                <a:solidFill>
+                  <a:schemeClr val="tx1"/>
+                </a:solidFill>
+                <a:effectLst/>
+                <a:latin typeface="Arial" panose="020B0604020202020204" pitchFamily="34" charset="0"/>
+                <a:ea typeface="宋体" panose="02010600030101010101" pitchFamily="2" charset="-122"/>
+                <a:cs typeface="宋体" panose="02010600030101010101" pitchFamily="2" charset="-122"/>
+              </a:rPr>
+              <a:t>APP</a:t>
+            </a:r>
+            <a:r>
+              <a:rPr kumimoji="1" lang="zh-CN" altLang="zh-CN" sz="1200" kern="1200" dirty="0">
+                <a:solidFill>
+                  <a:schemeClr val="tx1"/>
+                </a:solidFill>
+                <a:effectLst/>
+                <a:latin typeface="Arial" panose="020B0604020202020204" pitchFamily="34" charset="0"/>
+                <a:ea typeface="宋体" panose="02010600030101010101" pitchFamily="2" charset="-122"/>
+                <a:cs typeface="宋体" panose="02010600030101010101" pitchFamily="2" charset="-122"/>
+              </a:rPr>
+              <a:t>系统、金融模型平台、投研系统、统一用户管理系统等。</a:t>
+            </a:r>
+            <a:endParaRPr kumimoji="1" lang="zh-CN" altLang="zh-CN" sz="1100" kern="1200" dirty="0">
+              <a:solidFill>
+                <a:schemeClr val="tx1"/>
+              </a:solidFill>
+              <a:effectLst/>
+              <a:latin typeface="Arial" panose="020B0604020202020204" pitchFamily="34" charset="0"/>
+              <a:ea typeface="宋体" panose="02010600030101010101" pitchFamily="2" charset="-122"/>
+              <a:cs typeface="宋体" panose="02010600030101010101" pitchFamily="2" charset="-122"/>
+            </a:endParaRPr>
+          </a:p>
+          <a:p>
+            <a:endParaRPr lang="zh-CN" altLang="en-US" dirty="0"/>
+          </a:p>
+        </p:txBody>
+      </p:sp>
+    </p:spTree>
+  </p:cSld>
+  <p:clrMapOvr>
+    <a:masterClrMapping/>
+  </p:clrMapOvr>
+</p:notes>
+</file>
+
+<file path=ppt/notesSlides/notesSlide7.xml><?xml version="1.0" encoding="utf-8"?>
+<p:notes xmlns:a="http://schemas.openxmlformats.org/drawingml/2006/main" xmlns:r="http://schemas.openxmlformats.org/officeDocument/2006/relationships" xmlns:p="http://schemas.openxmlformats.org/presentationml/2006/main">
+  <p:cSld>
+    <p:spTree>
+      <p:nvGrpSpPr>
+        <p:cNvPr id="1" name=""/>
+        <p:cNvGrpSpPr/>
+        <p:nvPr/>
+      </p:nvGrpSpPr>
+      <p:grpSpPr>
+        <a:xfrm>
+          <a:off x="0" y="0"/>
+          <a:ext cx="0" cy="0"/>
+          <a:chOff x="0" y="0"/>
+          <a:chExt cx="0" cy="0"/>
+        </a:xfrm>
+      </p:grpSpPr>
+      <p:sp>
+        <p:nvSpPr>
+          <p:cNvPr id="2" name="幻灯片图像占位符 1"/>
+          <p:cNvSpPr>
+            <a:spLocks noGrp="1" noRot="1" noChangeAspect="1"/>
+          </p:cNvSpPr>
+          <p:nvPr>
+            <p:ph type="sldImg" idx="2"/>
+          </p:nvPr>
+        </p:nvSpPr>
+        <p:spPr>
+          <a:xfrm>
+            <a:off x="458788" y="685800"/>
+            <a:ext cx="5940425" cy="3429000"/>
+          </a:xfrm>
+        </p:spPr>
+      </p:sp>
+      <p:sp>
+        <p:nvSpPr>
+          <p:cNvPr id="3" name="文本占位符 2"/>
+          <p:cNvSpPr>
+            <a:spLocks noGrp="1"/>
+          </p:cNvSpPr>
+          <p:nvPr>
+            <p:ph type="body" idx="3"/>
+          </p:nvPr>
+        </p:nvSpPr>
+        <p:spPr/>
+        <p:txBody>
+          <a:bodyPr/>
+          <a:lstStyle/>
+          <a:p>
+            <a:endParaRPr lang="zh-CN" altLang="en-US"/>
+          </a:p>
+        </p:txBody>
+      </p:sp>
+    </p:spTree>
+  </p:cSld>
+  <p:clrMapOvr>
+    <a:masterClrMapping/>
+  </p:clrMapOvr>
+</p:notes>
+</file>
+
+<file path=ppt/notesSlides/notesSlide8.xml><?xml version="1.0" encoding="utf-8"?>
 <p:notes xmlns:a="http://schemas.openxmlformats.org/drawingml/2006/main" xmlns:r="http://schemas.openxmlformats.org/officeDocument/2006/relationships" xmlns:p="http://schemas.openxmlformats.org/presentationml/2006/main">
   <p:cSld>
     <p:spTree>
@@ -5971,6 +7071,1211 @@
 </p:sld>
 </file>
 
+<file path=ppt/slides/slide10.xml><?xml version="1.0" encoding="utf-8"?>
+<p:sld xmlns:a="http://schemas.openxmlformats.org/drawingml/2006/main" xmlns:r="http://schemas.openxmlformats.org/officeDocument/2006/relationships" xmlns:p="http://schemas.openxmlformats.org/presentationml/2006/main">
+  <p:cSld>
+    <p:spTree>
+      <p:nvGrpSpPr>
+        <p:cNvPr id="1" name=""/>
+        <p:cNvGrpSpPr/>
+        <p:nvPr/>
+      </p:nvGrpSpPr>
+      <p:grpSpPr>
+        <a:xfrm>
+          <a:off x="0" y="0"/>
+          <a:ext cx="0" cy="0"/>
+          <a:chOff x="0" y="0"/>
+          <a:chExt cx="0" cy="0"/>
+        </a:xfrm>
+      </p:grpSpPr>
+      <p:grpSp>
+        <p:nvGrpSpPr>
+          <p:cNvPr id="10" name="组 9"/>
+          <p:cNvGrpSpPr/>
+          <p:nvPr/>
+        </p:nvGrpSpPr>
+        <p:grpSpPr>
+          <a:xfrm>
+            <a:off x="2509862" y="1561651"/>
+            <a:ext cx="6859539" cy="4235030"/>
+            <a:chOff x="2058848" y="1561651"/>
+            <a:chExt cx="6859539" cy="4235030"/>
+          </a:xfrm>
+        </p:grpSpPr>
+        <p:sp>
+          <p:nvSpPr>
+            <p:cNvPr id="20" name="图文框 3"/>
+            <p:cNvSpPr/>
+            <p:nvPr/>
+          </p:nvSpPr>
+          <p:spPr>
+            <a:xfrm rot="5400000" flipV="1">
+              <a:off x="4492575" y="-768"/>
+              <a:ext cx="1992085" cy="6859539"/>
+            </a:xfrm>
+            <a:prstGeom prst="frame">
+              <a:avLst>
+                <a:gd name="adj1" fmla="val 132"/>
+              </a:avLst>
+            </a:prstGeom>
+            <a:solidFill>
+              <a:srgbClr val="FEAC22"/>
+            </a:solidFill>
+            <a:ln>
+              <a:solidFill>
+                <a:srgbClr val="FEAC22"/>
+              </a:solidFill>
+            </a:ln>
+          </p:spPr>
+          <p:style>
+            <a:lnRef idx="2">
+              <a:schemeClr val="accent1">
+                <a:shade val="50000"/>
+              </a:schemeClr>
+            </a:lnRef>
+            <a:fillRef idx="1">
+              <a:schemeClr val="accent1"/>
+            </a:fillRef>
+            <a:effectRef idx="0">
+              <a:schemeClr val="accent1"/>
+            </a:effectRef>
+            <a:fontRef idx="minor">
+              <a:schemeClr val="lt1"/>
+            </a:fontRef>
+          </p:style>
+          <p:txBody>
+            <a:bodyPr rtlCol="0" anchor="ctr"/>
+            <a:lstStyle/>
+            <a:p>
+              <a:pPr algn="ctr"/>
+              <a:endParaRPr lang="zh-CN" altLang="en-US">
+                <a:solidFill>
+                  <a:srgbClr val="F39900"/>
+                </a:solidFill>
+              </a:endParaRPr>
+            </a:p>
+          </p:txBody>
+        </p:sp>
+        <p:grpSp>
+          <p:nvGrpSpPr>
+            <p:cNvPr id="21" name="组 20"/>
+            <p:cNvGrpSpPr/>
+            <p:nvPr/>
+          </p:nvGrpSpPr>
+          <p:grpSpPr>
+            <a:xfrm>
+              <a:off x="2263349" y="1561651"/>
+              <a:ext cx="4047886" cy="4235030"/>
+              <a:chOff x="1482549" y="1502640"/>
+              <a:chExt cx="4454992" cy="4660958"/>
+            </a:xfrm>
+          </p:grpSpPr>
+          <p:sp>
+            <p:nvSpPr>
+              <p:cNvPr id="22" name="菱形 21"/>
+              <p:cNvSpPr/>
+              <p:nvPr/>
+            </p:nvSpPr>
+            <p:spPr>
+              <a:xfrm>
+                <a:off x="1482549" y="1502640"/>
+                <a:ext cx="4454992" cy="4660958"/>
+              </a:xfrm>
+              <a:prstGeom prst="diamond">
+                <a:avLst/>
+              </a:prstGeom>
+              <a:solidFill>
+                <a:srgbClr val="FEF7EB"/>
+              </a:solidFill>
+              <a:ln>
+                <a:noFill/>
+              </a:ln>
+            </p:spPr>
+            <p:style>
+              <a:lnRef idx="2">
+                <a:schemeClr val="accent1">
+                  <a:shade val="50000"/>
+                </a:schemeClr>
+              </a:lnRef>
+              <a:fillRef idx="1">
+                <a:schemeClr val="accent1"/>
+              </a:fillRef>
+              <a:effectRef idx="0">
+                <a:schemeClr val="accent1"/>
+              </a:effectRef>
+              <a:fontRef idx="minor">
+                <a:schemeClr val="lt1"/>
+              </a:fontRef>
+            </p:style>
+            <p:txBody>
+              <a:bodyPr rtlCol="0" anchor="ctr"/>
+              <a:lstStyle/>
+              <a:p>
+                <a:pPr algn="ctr"/>
+                <a:endParaRPr lang="zh-CN" altLang="en-US"/>
+              </a:p>
+            </p:txBody>
+          </p:sp>
+          <p:pic>
+            <p:nvPicPr>
+              <p:cNvPr id="23" name="图片 22"/>
+              <p:cNvPicPr>
+                <a:picLocks noChangeAspect="1"/>
+              </p:cNvPicPr>
+              <p:nvPr/>
+            </p:nvPicPr>
+            <p:blipFill rotWithShape="1">
+              <a:blip r:embed="rId1" cstate="print">
+                <a:extLst>
+                  <a:ext uri="{28A0092B-C50C-407E-A947-70E740481C1C}">
+                    <a14:useLocalDpi xmlns:a14="http://schemas.microsoft.com/office/drawing/2010/main" val="0"/>
+                  </a:ext>
+                </a:extLst>
+              </a:blip>
+              <a:srcRect l="37170" t="70793" r="49076" b="686"/>
+              <a:stretch>
+                <a:fillRect/>
+              </a:stretch>
+            </p:blipFill>
+            <p:spPr>
+              <a:xfrm rot="411943">
+                <a:off x="1759839" y="1849813"/>
+                <a:ext cx="3947239" cy="4092527"/>
+              </a:xfrm>
+              <a:prstGeom prst="rect">
+                <a:avLst/>
+              </a:prstGeom>
+            </p:spPr>
+          </p:pic>
+        </p:grpSp>
+        <p:sp>
+          <p:nvSpPr>
+            <p:cNvPr id="24" name="文本框 23"/>
+            <p:cNvSpPr txBox="1">
+              <a:spLocks noChangeArrowheads="1"/>
+            </p:cNvSpPr>
+            <p:nvPr/>
+          </p:nvSpPr>
+          <p:spPr bwMode="auto">
+            <a:xfrm>
+              <a:off x="6171220" y="3151104"/>
+              <a:ext cx="2621280" cy="583565"/>
+            </a:xfrm>
+            <a:prstGeom prst="rect">
+              <a:avLst/>
+            </a:prstGeom>
+            <a:noFill/>
+            <a:ln>
+              <a:noFill/>
+            </a:ln>
+          </p:spPr>
+          <p:txBody>
+            <a:bodyPr wrap="none">
+              <a:spAutoFit/>
+            </a:bodyPr>
+            <a:lstStyle>
+              <a:lvl1pPr>
+                <a:defRPr>
+                  <a:solidFill>
+                    <a:schemeClr val="tx1"/>
+                  </a:solidFill>
+                  <a:latin typeface="Calibri" panose="020F0502020204030204" charset="0"/>
+                  <a:ea typeface="宋体" panose="02010600030101010101" pitchFamily="2" charset="-122"/>
+                </a:defRPr>
+              </a:lvl1pPr>
+              <a:lvl2pPr marL="742950" indent="-285750">
+                <a:defRPr>
+                  <a:solidFill>
+                    <a:schemeClr val="tx1"/>
+                  </a:solidFill>
+                  <a:latin typeface="Calibri" panose="020F0502020204030204" charset="0"/>
+                  <a:ea typeface="宋体" panose="02010600030101010101" pitchFamily="2" charset="-122"/>
+                </a:defRPr>
+              </a:lvl2pPr>
+              <a:lvl3pPr marL="1143000" indent="-228600">
+                <a:defRPr>
+                  <a:solidFill>
+                    <a:schemeClr val="tx1"/>
+                  </a:solidFill>
+                  <a:latin typeface="Calibri" panose="020F0502020204030204" charset="0"/>
+                  <a:ea typeface="宋体" panose="02010600030101010101" pitchFamily="2" charset="-122"/>
+                </a:defRPr>
+              </a:lvl3pPr>
+              <a:lvl4pPr marL="1600200" indent="-228600">
+                <a:defRPr>
+                  <a:solidFill>
+                    <a:schemeClr val="tx1"/>
+                  </a:solidFill>
+                  <a:latin typeface="Calibri" panose="020F0502020204030204" charset="0"/>
+                  <a:ea typeface="宋体" panose="02010600030101010101" pitchFamily="2" charset="-122"/>
+                </a:defRPr>
+              </a:lvl4pPr>
+              <a:lvl5pPr marL="2057400" indent="-228600">
+                <a:defRPr>
+                  <a:solidFill>
+                    <a:schemeClr val="tx1"/>
+                  </a:solidFill>
+                  <a:latin typeface="Calibri" panose="020F0502020204030204" charset="0"/>
+                  <a:ea typeface="宋体" panose="02010600030101010101" pitchFamily="2" charset="-122"/>
+                </a:defRPr>
+              </a:lvl5pPr>
+              <a:lvl6pPr marL="2514600" indent="-228600" eaLnBrk="0" fontAlgn="base" hangingPunct="0">
+                <a:spcBef>
+                  <a:spcPct val="0"/>
+                </a:spcBef>
+                <a:spcAft>
+                  <a:spcPct val="0"/>
+                </a:spcAft>
+                <a:defRPr>
+                  <a:solidFill>
+                    <a:schemeClr val="tx1"/>
+                  </a:solidFill>
+                  <a:latin typeface="Calibri" panose="020F0502020204030204" charset="0"/>
+                  <a:ea typeface="宋体" panose="02010600030101010101" pitchFamily="2" charset="-122"/>
+                </a:defRPr>
+              </a:lvl6pPr>
+              <a:lvl7pPr marL="2971800" indent="-228600" eaLnBrk="0" fontAlgn="base" hangingPunct="0">
+                <a:spcBef>
+                  <a:spcPct val="0"/>
+                </a:spcBef>
+                <a:spcAft>
+                  <a:spcPct val="0"/>
+                </a:spcAft>
+                <a:defRPr>
+                  <a:solidFill>
+                    <a:schemeClr val="tx1"/>
+                  </a:solidFill>
+                  <a:latin typeface="Calibri" panose="020F0502020204030204" charset="0"/>
+                  <a:ea typeface="宋体" panose="02010600030101010101" pitchFamily="2" charset="-122"/>
+                </a:defRPr>
+              </a:lvl7pPr>
+              <a:lvl8pPr marL="3429000" indent="-228600" eaLnBrk="0" fontAlgn="base" hangingPunct="0">
+                <a:spcBef>
+                  <a:spcPct val="0"/>
+                </a:spcBef>
+                <a:spcAft>
+                  <a:spcPct val="0"/>
+                </a:spcAft>
+                <a:defRPr>
+                  <a:solidFill>
+                    <a:schemeClr val="tx1"/>
+                  </a:solidFill>
+                  <a:latin typeface="Calibri" panose="020F0502020204030204" charset="0"/>
+                  <a:ea typeface="宋体" panose="02010600030101010101" pitchFamily="2" charset="-122"/>
+                </a:defRPr>
+              </a:lvl8pPr>
+              <a:lvl9pPr marL="3886200" indent="-228600" eaLnBrk="0" fontAlgn="base" hangingPunct="0">
+                <a:spcBef>
+                  <a:spcPct val="0"/>
+                </a:spcBef>
+                <a:spcAft>
+                  <a:spcPct val="0"/>
+                </a:spcAft>
+                <a:defRPr>
+                  <a:solidFill>
+                    <a:schemeClr val="tx1"/>
+                  </a:solidFill>
+                  <a:latin typeface="Calibri" panose="020F0502020204030204" charset="0"/>
+                  <a:ea typeface="宋体" panose="02010600030101010101" pitchFamily="2" charset="-122"/>
+                </a:defRPr>
+              </a:lvl9pPr>
+            </a:lstStyle>
+            <a:p>
+              <a:r>
+                <a:rPr lang="zh-CN" altLang="en-US" sz="3200" b="1" dirty="0">
+                  <a:solidFill>
+                    <a:srgbClr val="474747"/>
+                  </a:solidFill>
+                  <a:latin typeface="微软雅黑" panose="020B0503020204020204" charset="-122"/>
+                  <a:ea typeface="微软雅黑" panose="020B0503020204020204" charset="-122"/>
+                  <a:cs typeface="Arial" panose="020B0604020202020204" pitchFamily="34" charset="0"/>
+                </a:rPr>
+                <a:t>工作完成情况</a:t>
+              </a:r>
+              <a:endParaRPr lang="zh-CN" altLang="en-US" sz="3200" b="1" dirty="0">
+                <a:solidFill>
+                  <a:srgbClr val="474747"/>
+                </a:solidFill>
+                <a:latin typeface="微软雅黑" panose="020B0503020204020204" charset="-122"/>
+                <a:ea typeface="微软雅黑" panose="020B0503020204020204" charset="-122"/>
+                <a:cs typeface="Arial" panose="020B0604020202020204" pitchFamily="34" charset="0"/>
+              </a:endParaRPr>
+            </a:p>
+          </p:txBody>
+        </p:sp>
+        <p:sp>
+          <p:nvSpPr>
+            <p:cNvPr id="25" name="文本框 24"/>
+            <p:cNvSpPr txBox="1"/>
+            <p:nvPr/>
+          </p:nvSpPr>
+          <p:spPr>
+            <a:xfrm>
+              <a:off x="3669804" y="2658043"/>
+              <a:ext cx="2891572" cy="1568450"/>
+            </a:xfrm>
+            <a:prstGeom prst="rect">
+              <a:avLst/>
+            </a:prstGeom>
+            <a:noFill/>
+          </p:spPr>
+          <p:txBody>
+            <a:bodyPr wrap="square" rtlCol="0">
+              <a:spAutoFit/>
+            </a:bodyPr>
+            <a:lstStyle/>
+            <a:p>
+              <a:r>
+                <a:rPr lang="en-US" altLang="zh-CN" sz="9600" dirty="0">
+                  <a:solidFill>
+                    <a:schemeClr val="tx1">
+                      <a:lumMod val="65000"/>
+                      <a:lumOff val="35000"/>
+                    </a:schemeClr>
+                  </a:solidFill>
+                  <a:latin typeface="思源黑体 CN Bold" panose="020B0800000000000000" pitchFamily="34" charset="-122"/>
+                  <a:ea typeface="思源黑体 CN Bold" panose="020B0800000000000000" pitchFamily="34" charset="-122"/>
+                </a:rPr>
+                <a:t>02</a:t>
+              </a:r>
+              <a:endParaRPr lang="zh-CN" altLang="en-US" sz="9600" dirty="0">
+                <a:solidFill>
+                  <a:schemeClr val="tx1">
+                    <a:lumMod val="65000"/>
+                    <a:lumOff val="35000"/>
+                  </a:schemeClr>
+                </a:solidFill>
+                <a:latin typeface="思源黑体 CN Bold" panose="020B0800000000000000" pitchFamily="34" charset="-122"/>
+                <a:ea typeface="思源黑体 CN Bold" panose="020B0800000000000000" pitchFamily="34" charset="-122"/>
+              </a:endParaRPr>
+            </a:p>
+          </p:txBody>
+        </p:sp>
+      </p:grpSp>
+    </p:spTree>
+  </p:cSld>
+  <p:clrMapOvr>
+    <a:masterClrMapping/>
+  </p:clrMapOvr>
+</p:sld>
+</file>
+
+<file path=ppt/slides/slide11.xml><?xml version="1.0" encoding="utf-8"?>
+<p:sld xmlns:a="http://schemas.openxmlformats.org/drawingml/2006/main" xmlns:r="http://schemas.openxmlformats.org/officeDocument/2006/relationships" xmlns:p="http://schemas.openxmlformats.org/presentationml/2006/main">
+  <p:cSld>
+    <p:spTree>
+      <p:nvGrpSpPr>
+        <p:cNvPr id="1" name=""/>
+        <p:cNvGrpSpPr/>
+        <p:nvPr/>
+      </p:nvGrpSpPr>
+      <p:grpSpPr>
+        <a:xfrm>
+          <a:off x="0" y="0"/>
+          <a:ext cx="0" cy="0"/>
+          <a:chOff x="0" y="0"/>
+          <a:chExt cx="0" cy="0"/>
+        </a:xfrm>
+      </p:grpSpPr>
+      <p:grpSp>
+        <p:nvGrpSpPr>
+          <p:cNvPr id="10" name="组 9"/>
+          <p:cNvGrpSpPr/>
+          <p:nvPr/>
+        </p:nvGrpSpPr>
+        <p:grpSpPr>
+          <a:xfrm>
+            <a:off x="2509862" y="1561651"/>
+            <a:ext cx="6859539" cy="4235030"/>
+            <a:chOff x="2058848" y="1561651"/>
+            <a:chExt cx="6859539" cy="4235030"/>
+          </a:xfrm>
+        </p:grpSpPr>
+        <p:sp>
+          <p:nvSpPr>
+            <p:cNvPr id="20" name="图文框 3"/>
+            <p:cNvSpPr/>
+            <p:nvPr/>
+          </p:nvSpPr>
+          <p:spPr>
+            <a:xfrm rot="5400000" flipV="1">
+              <a:off x="4492575" y="-768"/>
+              <a:ext cx="1992085" cy="6859539"/>
+            </a:xfrm>
+            <a:prstGeom prst="frame">
+              <a:avLst>
+                <a:gd name="adj1" fmla="val 132"/>
+              </a:avLst>
+            </a:prstGeom>
+            <a:solidFill>
+              <a:srgbClr val="FEAC22"/>
+            </a:solidFill>
+            <a:ln>
+              <a:solidFill>
+                <a:srgbClr val="FEAC22"/>
+              </a:solidFill>
+            </a:ln>
+          </p:spPr>
+          <p:style>
+            <a:lnRef idx="2">
+              <a:schemeClr val="accent1">
+                <a:shade val="50000"/>
+              </a:schemeClr>
+            </a:lnRef>
+            <a:fillRef idx="1">
+              <a:schemeClr val="accent1"/>
+            </a:fillRef>
+            <a:effectRef idx="0">
+              <a:schemeClr val="accent1"/>
+            </a:effectRef>
+            <a:fontRef idx="minor">
+              <a:schemeClr val="lt1"/>
+            </a:fontRef>
+          </p:style>
+          <p:txBody>
+            <a:bodyPr rtlCol="0" anchor="ctr"/>
+            <a:lstStyle/>
+            <a:p>
+              <a:pPr algn="ctr"/>
+              <a:endParaRPr lang="zh-CN" altLang="en-US">
+                <a:solidFill>
+                  <a:srgbClr val="F39900"/>
+                </a:solidFill>
+              </a:endParaRPr>
+            </a:p>
+          </p:txBody>
+        </p:sp>
+        <p:grpSp>
+          <p:nvGrpSpPr>
+            <p:cNvPr id="21" name="组 20"/>
+            <p:cNvGrpSpPr/>
+            <p:nvPr/>
+          </p:nvGrpSpPr>
+          <p:grpSpPr>
+            <a:xfrm>
+              <a:off x="2263349" y="1561651"/>
+              <a:ext cx="4047886" cy="4235030"/>
+              <a:chOff x="1482549" y="1502640"/>
+              <a:chExt cx="4454992" cy="4660958"/>
+            </a:xfrm>
+          </p:grpSpPr>
+          <p:sp>
+            <p:nvSpPr>
+              <p:cNvPr id="22" name="菱形 21"/>
+              <p:cNvSpPr/>
+              <p:nvPr/>
+            </p:nvSpPr>
+            <p:spPr>
+              <a:xfrm>
+                <a:off x="1482549" y="1502640"/>
+                <a:ext cx="4454992" cy="4660958"/>
+              </a:xfrm>
+              <a:prstGeom prst="diamond">
+                <a:avLst/>
+              </a:prstGeom>
+              <a:solidFill>
+                <a:srgbClr val="FEF7EB"/>
+              </a:solidFill>
+              <a:ln>
+                <a:noFill/>
+              </a:ln>
+            </p:spPr>
+            <p:style>
+              <a:lnRef idx="2">
+                <a:schemeClr val="accent1">
+                  <a:shade val="50000"/>
+                </a:schemeClr>
+              </a:lnRef>
+              <a:fillRef idx="1">
+                <a:schemeClr val="accent1"/>
+              </a:fillRef>
+              <a:effectRef idx="0">
+                <a:schemeClr val="accent1"/>
+              </a:effectRef>
+              <a:fontRef idx="minor">
+                <a:schemeClr val="lt1"/>
+              </a:fontRef>
+            </p:style>
+            <p:txBody>
+              <a:bodyPr rtlCol="0" anchor="ctr"/>
+              <a:lstStyle/>
+              <a:p>
+                <a:pPr algn="ctr"/>
+                <a:endParaRPr lang="zh-CN" altLang="en-US"/>
+              </a:p>
+            </p:txBody>
+          </p:sp>
+          <p:pic>
+            <p:nvPicPr>
+              <p:cNvPr id="23" name="图片 22"/>
+              <p:cNvPicPr>
+                <a:picLocks noChangeAspect="1"/>
+              </p:cNvPicPr>
+              <p:nvPr/>
+            </p:nvPicPr>
+            <p:blipFill rotWithShape="1">
+              <a:blip r:embed="rId1" cstate="print">
+                <a:extLst>
+                  <a:ext uri="{28A0092B-C50C-407E-A947-70E740481C1C}">
+                    <a14:useLocalDpi xmlns:a14="http://schemas.microsoft.com/office/drawing/2010/main" val="0"/>
+                  </a:ext>
+                </a:extLst>
+              </a:blip>
+              <a:srcRect l="37170" t="70793" r="49076" b="686"/>
+              <a:stretch>
+                <a:fillRect/>
+              </a:stretch>
+            </p:blipFill>
+            <p:spPr>
+              <a:xfrm rot="411943">
+                <a:off x="1759839" y="1849813"/>
+                <a:ext cx="3947239" cy="4092527"/>
+              </a:xfrm>
+              <a:prstGeom prst="rect">
+                <a:avLst/>
+              </a:prstGeom>
+            </p:spPr>
+          </p:pic>
+        </p:grpSp>
+        <p:sp>
+          <p:nvSpPr>
+            <p:cNvPr id="24" name="文本框 23"/>
+            <p:cNvSpPr txBox="1">
+              <a:spLocks noChangeArrowheads="1"/>
+            </p:cNvSpPr>
+            <p:nvPr/>
+          </p:nvSpPr>
+          <p:spPr bwMode="auto">
+            <a:xfrm>
+              <a:off x="6131850" y="3137134"/>
+              <a:ext cx="2621280" cy="583565"/>
+            </a:xfrm>
+            <a:prstGeom prst="rect">
+              <a:avLst/>
+            </a:prstGeom>
+            <a:noFill/>
+            <a:ln>
+              <a:noFill/>
+            </a:ln>
+          </p:spPr>
+          <p:txBody>
+            <a:bodyPr wrap="none">
+              <a:spAutoFit/>
+            </a:bodyPr>
+            <a:lstStyle>
+              <a:lvl1pPr>
+                <a:defRPr>
+                  <a:solidFill>
+                    <a:schemeClr val="tx1"/>
+                  </a:solidFill>
+                  <a:latin typeface="Calibri" panose="020F0502020204030204" charset="0"/>
+                  <a:ea typeface="宋体" panose="02010600030101010101" pitchFamily="2" charset="-122"/>
+                </a:defRPr>
+              </a:lvl1pPr>
+              <a:lvl2pPr marL="742950" indent="-285750">
+                <a:defRPr>
+                  <a:solidFill>
+                    <a:schemeClr val="tx1"/>
+                  </a:solidFill>
+                  <a:latin typeface="Calibri" panose="020F0502020204030204" charset="0"/>
+                  <a:ea typeface="宋体" panose="02010600030101010101" pitchFamily="2" charset="-122"/>
+                </a:defRPr>
+              </a:lvl2pPr>
+              <a:lvl3pPr marL="1143000" indent="-228600">
+                <a:defRPr>
+                  <a:solidFill>
+                    <a:schemeClr val="tx1"/>
+                  </a:solidFill>
+                  <a:latin typeface="Calibri" panose="020F0502020204030204" charset="0"/>
+                  <a:ea typeface="宋体" panose="02010600030101010101" pitchFamily="2" charset="-122"/>
+                </a:defRPr>
+              </a:lvl3pPr>
+              <a:lvl4pPr marL="1600200" indent="-228600">
+                <a:defRPr>
+                  <a:solidFill>
+                    <a:schemeClr val="tx1"/>
+                  </a:solidFill>
+                  <a:latin typeface="Calibri" panose="020F0502020204030204" charset="0"/>
+                  <a:ea typeface="宋体" panose="02010600030101010101" pitchFamily="2" charset="-122"/>
+                </a:defRPr>
+              </a:lvl4pPr>
+              <a:lvl5pPr marL="2057400" indent="-228600">
+                <a:defRPr>
+                  <a:solidFill>
+                    <a:schemeClr val="tx1"/>
+                  </a:solidFill>
+                  <a:latin typeface="Calibri" panose="020F0502020204030204" charset="0"/>
+                  <a:ea typeface="宋体" panose="02010600030101010101" pitchFamily="2" charset="-122"/>
+                </a:defRPr>
+              </a:lvl5pPr>
+              <a:lvl6pPr marL="2514600" indent="-228600" eaLnBrk="0" fontAlgn="base" hangingPunct="0">
+                <a:spcBef>
+                  <a:spcPct val="0"/>
+                </a:spcBef>
+                <a:spcAft>
+                  <a:spcPct val="0"/>
+                </a:spcAft>
+                <a:defRPr>
+                  <a:solidFill>
+                    <a:schemeClr val="tx1"/>
+                  </a:solidFill>
+                  <a:latin typeface="Calibri" panose="020F0502020204030204" charset="0"/>
+                  <a:ea typeface="宋体" panose="02010600030101010101" pitchFamily="2" charset="-122"/>
+                </a:defRPr>
+              </a:lvl6pPr>
+              <a:lvl7pPr marL="2971800" indent="-228600" eaLnBrk="0" fontAlgn="base" hangingPunct="0">
+                <a:spcBef>
+                  <a:spcPct val="0"/>
+                </a:spcBef>
+                <a:spcAft>
+                  <a:spcPct val="0"/>
+                </a:spcAft>
+                <a:defRPr>
+                  <a:solidFill>
+                    <a:schemeClr val="tx1"/>
+                  </a:solidFill>
+                  <a:latin typeface="Calibri" panose="020F0502020204030204" charset="0"/>
+                  <a:ea typeface="宋体" panose="02010600030101010101" pitchFamily="2" charset="-122"/>
+                </a:defRPr>
+              </a:lvl7pPr>
+              <a:lvl8pPr marL="3429000" indent="-228600" eaLnBrk="0" fontAlgn="base" hangingPunct="0">
+                <a:spcBef>
+                  <a:spcPct val="0"/>
+                </a:spcBef>
+                <a:spcAft>
+                  <a:spcPct val="0"/>
+                </a:spcAft>
+                <a:defRPr>
+                  <a:solidFill>
+                    <a:schemeClr val="tx1"/>
+                  </a:solidFill>
+                  <a:latin typeface="Calibri" panose="020F0502020204030204" charset="0"/>
+                  <a:ea typeface="宋体" panose="02010600030101010101" pitchFamily="2" charset="-122"/>
+                </a:defRPr>
+              </a:lvl8pPr>
+              <a:lvl9pPr marL="3886200" indent="-228600" eaLnBrk="0" fontAlgn="base" hangingPunct="0">
+                <a:spcBef>
+                  <a:spcPct val="0"/>
+                </a:spcBef>
+                <a:spcAft>
+                  <a:spcPct val="0"/>
+                </a:spcAft>
+                <a:defRPr>
+                  <a:solidFill>
+                    <a:schemeClr val="tx1"/>
+                  </a:solidFill>
+                  <a:latin typeface="Calibri" panose="020F0502020204030204" charset="0"/>
+                  <a:ea typeface="宋体" panose="02010600030101010101" pitchFamily="2" charset="-122"/>
+                </a:defRPr>
+              </a:lvl9pPr>
+            </a:lstStyle>
+            <a:p>
+              <a:r>
+                <a:rPr lang="zh-CN" altLang="en-US" sz="3200" b="1" dirty="0">
+                  <a:solidFill>
+                    <a:srgbClr val="474747"/>
+                  </a:solidFill>
+                  <a:latin typeface="微软雅黑" panose="020B0503020204020204" charset="-122"/>
+                  <a:ea typeface="微软雅黑" panose="020B0503020204020204" charset="-122"/>
+                  <a:cs typeface="Arial" panose="020B0604020202020204" pitchFamily="34" charset="0"/>
+                </a:rPr>
+                <a:t>工作存在不足</a:t>
+              </a:r>
+              <a:endParaRPr lang="zh-CN" altLang="en-US" sz="3200" b="1" dirty="0">
+                <a:solidFill>
+                  <a:srgbClr val="474747"/>
+                </a:solidFill>
+                <a:latin typeface="微软雅黑" panose="020B0503020204020204" charset="-122"/>
+                <a:ea typeface="微软雅黑" panose="020B0503020204020204" charset="-122"/>
+                <a:cs typeface="Arial" panose="020B0604020202020204" pitchFamily="34" charset="0"/>
+              </a:endParaRPr>
+            </a:p>
+          </p:txBody>
+        </p:sp>
+        <p:sp>
+          <p:nvSpPr>
+            <p:cNvPr id="25" name="文本框 24"/>
+            <p:cNvSpPr txBox="1"/>
+            <p:nvPr/>
+          </p:nvSpPr>
+          <p:spPr>
+            <a:xfrm>
+              <a:off x="3669804" y="2658043"/>
+              <a:ext cx="2891572" cy="1568450"/>
+            </a:xfrm>
+            <a:prstGeom prst="rect">
+              <a:avLst/>
+            </a:prstGeom>
+            <a:noFill/>
+          </p:spPr>
+          <p:txBody>
+            <a:bodyPr wrap="square" rtlCol="0">
+              <a:spAutoFit/>
+            </a:bodyPr>
+            <a:lstStyle/>
+            <a:p>
+              <a:r>
+                <a:rPr lang="en-US" altLang="zh-CN" sz="9600" dirty="0">
+                  <a:solidFill>
+                    <a:schemeClr val="tx1">
+                      <a:lumMod val="65000"/>
+                      <a:lumOff val="35000"/>
+                    </a:schemeClr>
+                  </a:solidFill>
+                  <a:latin typeface="思源黑体 CN Bold" panose="020B0800000000000000" pitchFamily="34" charset="-122"/>
+                  <a:ea typeface="思源黑体 CN Bold" panose="020B0800000000000000" pitchFamily="34" charset="-122"/>
+                </a:rPr>
+                <a:t>03</a:t>
+              </a:r>
+              <a:endParaRPr lang="zh-CN" altLang="en-US" sz="9600" dirty="0">
+                <a:solidFill>
+                  <a:schemeClr val="tx1">
+                    <a:lumMod val="65000"/>
+                    <a:lumOff val="35000"/>
+                  </a:schemeClr>
+                </a:solidFill>
+                <a:latin typeface="思源黑体 CN Bold" panose="020B0800000000000000" pitchFamily="34" charset="-122"/>
+                <a:ea typeface="思源黑体 CN Bold" panose="020B0800000000000000" pitchFamily="34" charset="-122"/>
+              </a:endParaRPr>
+            </a:p>
+          </p:txBody>
+        </p:sp>
+      </p:grpSp>
+    </p:spTree>
+  </p:cSld>
+  <p:clrMapOvr>
+    <a:masterClrMapping/>
+  </p:clrMapOvr>
+</p:sld>
+</file>
+
+<file path=ppt/slides/slide12.xml><?xml version="1.0" encoding="utf-8"?>
+<p:sld xmlns:a="http://schemas.openxmlformats.org/drawingml/2006/main" xmlns:r="http://schemas.openxmlformats.org/officeDocument/2006/relationships" xmlns:p="http://schemas.openxmlformats.org/presentationml/2006/main">
+  <p:cSld>
+    <p:spTree>
+      <p:nvGrpSpPr>
+        <p:cNvPr id="1" name=""/>
+        <p:cNvGrpSpPr/>
+        <p:nvPr/>
+      </p:nvGrpSpPr>
+      <p:grpSpPr>
+        <a:xfrm>
+          <a:off x="0" y="0"/>
+          <a:ext cx="0" cy="0"/>
+          <a:chOff x="0" y="0"/>
+          <a:chExt cx="0" cy="0"/>
+        </a:xfrm>
+      </p:grpSpPr>
+      <p:grpSp>
+        <p:nvGrpSpPr>
+          <p:cNvPr id="10" name="组 9"/>
+          <p:cNvGrpSpPr/>
+          <p:nvPr/>
+        </p:nvGrpSpPr>
+        <p:grpSpPr>
+          <a:xfrm>
+            <a:off x="2509862" y="1561651"/>
+            <a:ext cx="6859539" cy="4235030"/>
+            <a:chOff x="2058848" y="1561651"/>
+            <a:chExt cx="6859539" cy="4235030"/>
+          </a:xfrm>
+        </p:grpSpPr>
+        <p:sp>
+          <p:nvSpPr>
+            <p:cNvPr id="20" name="图文框 3"/>
+            <p:cNvSpPr/>
+            <p:nvPr/>
+          </p:nvSpPr>
+          <p:spPr>
+            <a:xfrm rot="5400000" flipV="1">
+              <a:off x="4492575" y="-768"/>
+              <a:ext cx="1992085" cy="6859539"/>
+            </a:xfrm>
+            <a:prstGeom prst="frame">
+              <a:avLst>
+                <a:gd name="adj1" fmla="val 132"/>
+              </a:avLst>
+            </a:prstGeom>
+            <a:solidFill>
+              <a:srgbClr val="FEAC22"/>
+            </a:solidFill>
+            <a:ln>
+              <a:solidFill>
+                <a:srgbClr val="FEAC22"/>
+              </a:solidFill>
+            </a:ln>
+          </p:spPr>
+          <p:style>
+            <a:lnRef idx="2">
+              <a:schemeClr val="accent1">
+                <a:shade val="50000"/>
+              </a:schemeClr>
+            </a:lnRef>
+            <a:fillRef idx="1">
+              <a:schemeClr val="accent1"/>
+            </a:fillRef>
+            <a:effectRef idx="0">
+              <a:schemeClr val="accent1"/>
+            </a:effectRef>
+            <a:fontRef idx="minor">
+              <a:schemeClr val="lt1"/>
+            </a:fontRef>
+          </p:style>
+          <p:txBody>
+            <a:bodyPr rtlCol="0" anchor="ctr"/>
+            <a:lstStyle/>
+            <a:p>
+              <a:pPr algn="ctr"/>
+              <a:endParaRPr lang="zh-CN" altLang="en-US">
+                <a:solidFill>
+                  <a:srgbClr val="F39900"/>
+                </a:solidFill>
+              </a:endParaRPr>
+            </a:p>
+          </p:txBody>
+        </p:sp>
+        <p:grpSp>
+          <p:nvGrpSpPr>
+            <p:cNvPr id="21" name="组 20"/>
+            <p:cNvGrpSpPr/>
+            <p:nvPr/>
+          </p:nvGrpSpPr>
+          <p:grpSpPr>
+            <a:xfrm>
+              <a:off x="2263349" y="1561651"/>
+              <a:ext cx="4047886" cy="4235030"/>
+              <a:chOff x="1482549" y="1502640"/>
+              <a:chExt cx="4454992" cy="4660958"/>
+            </a:xfrm>
+          </p:grpSpPr>
+          <p:sp>
+            <p:nvSpPr>
+              <p:cNvPr id="22" name="菱形 21"/>
+              <p:cNvSpPr/>
+              <p:nvPr/>
+            </p:nvSpPr>
+            <p:spPr>
+              <a:xfrm>
+                <a:off x="1482549" y="1502640"/>
+                <a:ext cx="4454992" cy="4660958"/>
+              </a:xfrm>
+              <a:prstGeom prst="diamond">
+                <a:avLst/>
+              </a:prstGeom>
+              <a:solidFill>
+                <a:srgbClr val="FEF7EB"/>
+              </a:solidFill>
+              <a:ln>
+                <a:noFill/>
+              </a:ln>
+            </p:spPr>
+            <p:style>
+              <a:lnRef idx="2">
+                <a:schemeClr val="accent1">
+                  <a:shade val="50000"/>
+                </a:schemeClr>
+              </a:lnRef>
+              <a:fillRef idx="1">
+                <a:schemeClr val="accent1"/>
+              </a:fillRef>
+              <a:effectRef idx="0">
+                <a:schemeClr val="accent1"/>
+              </a:effectRef>
+              <a:fontRef idx="minor">
+                <a:schemeClr val="lt1"/>
+              </a:fontRef>
+            </p:style>
+            <p:txBody>
+              <a:bodyPr rtlCol="0" anchor="ctr"/>
+              <a:lstStyle/>
+              <a:p>
+                <a:pPr algn="ctr"/>
+                <a:endParaRPr lang="zh-CN" altLang="en-US"/>
+              </a:p>
+            </p:txBody>
+          </p:sp>
+          <p:pic>
+            <p:nvPicPr>
+              <p:cNvPr id="23" name="图片 22"/>
+              <p:cNvPicPr>
+                <a:picLocks noChangeAspect="1"/>
+              </p:cNvPicPr>
+              <p:nvPr/>
+            </p:nvPicPr>
+            <p:blipFill rotWithShape="1">
+              <a:blip r:embed="rId1" cstate="print">
+                <a:extLst>
+                  <a:ext uri="{28A0092B-C50C-407E-A947-70E740481C1C}">
+                    <a14:useLocalDpi xmlns:a14="http://schemas.microsoft.com/office/drawing/2010/main" val="0"/>
+                  </a:ext>
+                </a:extLst>
+              </a:blip>
+              <a:srcRect l="37170" t="70793" r="49076" b="686"/>
+              <a:stretch>
+                <a:fillRect/>
+              </a:stretch>
+            </p:blipFill>
+            <p:spPr>
+              <a:xfrm rot="411943">
+                <a:off x="1759839" y="1849813"/>
+                <a:ext cx="3947239" cy="4092527"/>
+              </a:xfrm>
+              <a:prstGeom prst="rect">
+                <a:avLst/>
+              </a:prstGeom>
+            </p:spPr>
+          </p:pic>
+        </p:grpSp>
+        <p:sp>
+          <p:nvSpPr>
+            <p:cNvPr id="24" name="文本框 23"/>
+            <p:cNvSpPr txBox="1">
+              <a:spLocks noChangeArrowheads="1"/>
+            </p:cNvSpPr>
+            <p:nvPr/>
+          </p:nvSpPr>
+          <p:spPr bwMode="auto">
+            <a:xfrm>
+              <a:off x="6131850" y="3137134"/>
+              <a:ext cx="2621280" cy="583565"/>
+            </a:xfrm>
+            <a:prstGeom prst="rect">
+              <a:avLst/>
+            </a:prstGeom>
+            <a:noFill/>
+            <a:ln>
+              <a:noFill/>
+            </a:ln>
+          </p:spPr>
+          <p:txBody>
+            <a:bodyPr wrap="none">
+              <a:spAutoFit/>
+            </a:bodyPr>
+            <a:lstStyle>
+              <a:lvl1pPr>
+                <a:defRPr>
+                  <a:solidFill>
+                    <a:schemeClr val="tx1"/>
+                  </a:solidFill>
+                  <a:latin typeface="Calibri" panose="020F0502020204030204" charset="0"/>
+                  <a:ea typeface="宋体" panose="02010600030101010101" pitchFamily="2" charset="-122"/>
+                </a:defRPr>
+              </a:lvl1pPr>
+              <a:lvl2pPr marL="742950" indent="-285750">
+                <a:defRPr>
+                  <a:solidFill>
+                    <a:schemeClr val="tx1"/>
+                  </a:solidFill>
+                  <a:latin typeface="Calibri" panose="020F0502020204030204" charset="0"/>
+                  <a:ea typeface="宋体" panose="02010600030101010101" pitchFamily="2" charset="-122"/>
+                </a:defRPr>
+              </a:lvl2pPr>
+              <a:lvl3pPr marL="1143000" indent="-228600">
+                <a:defRPr>
+                  <a:solidFill>
+                    <a:schemeClr val="tx1"/>
+                  </a:solidFill>
+                  <a:latin typeface="Calibri" panose="020F0502020204030204" charset="0"/>
+                  <a:ea typeface="宋体" panose="02010600030101010101" pitchFamily="2" charset="-122"/>
+                </a:defRPr>
+              </a:lvl3pPr>
+              <a:lvl4pPr marL="1600200" indent="-228600">
+                <a:defRPr>
+                  <a:solidFill>
+                    <a:schemeClr val="tx1"/>
+                  </a:solidFill>
+                  <a:latin typeface="Calibri" panose="020F0502020204030204" charset="0"/>
+                  <a:ea typeface="宋体" panose="02010600030101010101" pitchFamily="2" charset="-122"/>
+                </a:defRPr>
+              </a:lvl4pPr>
+              <a:lvl5pPr marL="2057400" indent="-228600">
+                <a:defRPr>
+                  <a:solidFill>
+                    <a:schemeClr val="tx1"/>
+                  </a:solidFill>
+                  <a:latin typeface="Calibri" panose="020F0502020204030204" charset="0"/>
+                  <a:ea typeface="宋体" panose="02010600030101010101" pitchFamily="2" charset="-122"/>
+                </a:defRPr>
+              </a:lvl5pPr>
+              <a:lvl6pPr marL="2514600" indent="-228600" eaLnBrk="0" fontAlgn="base" hangingPunct="0">
+                <a:spcBef>
+                  <a:spcPct val="0"/>
+                </a:spcBef>
+                <a:spcAft>
+                  <a:spcPct val="0"/>
+                </a:spcAft>
+                <a:defRPr>
+                  <a:solidFill>
+                    <a:schemeClr val="tx1"/>
+                  </a:solidFill>
+                  <a:latin typeface="Calibri" panose="020F0502020204030204" charset="0"/>
+                  <a:ea typeface="宋体" panose="02010600030101010101" pitchFamily="2" charset="-122"/>
+                </a:defRPr>
+              </a:lvl6pPr>
+              <a:lvl7pPr marL="2971800" indent="-228600" eaLnBrk="0" fontAlgn="base" hangingPunct="0">
+                <a:spcBef>
+                  <a:spcPct val="0"/>
+                </a:spcBef>
+                <a:spcAft>
+                  <a:spcPct val="0"/>
+                </a:spcAft>
+                <a:defRPr>
+                  <a:solidFill>
+                    <a:schemeClr val="tx1"/>
+                  </a:solidFill>
+                  <a:latin typeface="Calibri" panose="020F0502020204030204" charset="0"/>
+                  <a:ea typeface="宋体" panose="02010600030101010101" pitchFamily="2" charset="-122"/>
+                </a:defRPr>
+              </a:lvl7pPr>
+              <a:lvl8pPr marL="3429000" indent="-228600" eaLnBrk="0" fontAlgn="base" hangingPunct="0">
+                <a:spcBef>
+                  <a:spcPct val="0"/>
+                </a:spcBef>
+                <a:spcAft>
+                  <a:spcPct val="0"/>
+                </a:spcAft>
+                <a:defRPr>
+                  <a:solidFill>
+                    <a:schemeClr val="tx1"/>
+                  </a:solidFill>
+                  <a:latin typeface="Calibri" panose="020F0502020204030204" charset="0"/>
+                  <a:ea typeface="宋体" panose="02010600030101010101" pitchFamily="2" charset="-122"/>
+                </a:defRPr>
+              </a:lvl8pPr>
+              <a:lvl9pPr marL="3886200" indent="-228600" eaLnBrk="0" fontAlgn="base" hangingPunct="0">
+                <a:spcBef>
+                  <a:spcPct val="0"/>
+                </a:spcBef>
+                <a:spcAft>
+                  <a:spcPct val="0"/>
+                </a:spcAft>
+                <a:defRPr>
+                  <a:solidFill>
+                    <a:schemeClr val="tx1"/>
+                  </a:solidFill>
+                  <a:latin typeface="Calibri" panose="020F0502020204030204" charset="0"/>
+                  <a:ea typeface="宋体" panose="02010600030101010101" pitchFamily="2" charset="-122"/>
+                </a:defRPr>
+              </a:lvl9pPr>
+            </a:lstStyle>
+            <a:p>
+              <a:r>
+                <a:rPr lang="zh-CN" altLang="en-US" sz="3200" b="1" dirty="0">
+                  <a:solidFill>
+                    <a:srgbClr val="474747"/>
+                  </a:solidFill>
+                  <a:latin typeface="微软雅黑" panose="020B0503020204020204" charset="-122"/>
+                  <a:ea typeface="微软雅黑" panose="020B0503020204020204" charset="-122"/>
+                  <a:cs typeface="Arial" panose="020B0604020202020204" pitchFamily="34" charset="0"/>
+                </a:rPr>
+                <a:t>明年工作计划</a:t>
+              </a:r>
+              <a:endParaRPr lang="zh-CN" altLang="en-US" sz="3200" b="1" dirty="0">
+                <a:solidFill>
+                  <a:srgbClr val="474747"/>
+                </a:solidFill>
+                <a:latin typeface="微软雅黑" panose="020B0503020204020204" charset="-122"/>
+                <a:ea typeface="微软雅黑" panose="020B0503020204020204" charset="-122"/>
+                <a:cs typeface="Arial" panose="020B0604020202020204" pitchFamily="34" charset="0"/>
+              </a:endParaRPr>
+            </a:p>
+          </p:txBody>
+        </p:sp>
+        <p:sp>
+          <p:nvSpPr>
+            <p:cNvPr id="25" name="文本框 24"/>
+            <p:cNvSpPr txBox="1"/>
+            <p:nvPr/>
+          </p:nvSpPr>
+          <p:spPr>
+            <a:xfrm>
+              <a:off x="3669804" y="2658043"/>
+              <a:ext cx="2891572" cy="1568450"/>
+            </a:xfrm>
+            <a:prstGeom prst="rect">
+              <a:avLst/>
+            </a:prstGeom>
+            <a:noFill/>
+          </p:spPr>
+          <p:txBody>
+            <a:bodyPr wrap="square" rtlCol="0">
+              <a:spAutoFit/>
+            </a:bodyPr>
+            <a:lstStyle/>
+            <a:p>
+              <a:r>
+                <a:rPr lang="en-US" altLang="zh-CN" sz="9600" dirty="0">
+                  <a:solidFill>
+                    <a:schemeClr val="tx1">
+                      <a:lumMod val="65000"/>
+                      <a:lumOff val="35000"/>
+                    </a:schemeClr>
+                  </a:solidFill>
+                  <a:latin typeface="思源黑体 CN Bold" panose="020B0800000000000000" pitchFamily="34" charset="-122"/>
+                  <a:ea typeface="思源黑体 CN Bold" panose="020B0800000000000000" pitchFamily="34" charset="-122"/>
+                </a:rPr>
+                <a:t>0</a:t>
+              </a:r>
+              <a:r>
+                <a:rPr lang="en-US" sz="9600" dirty="0">
+                  <a:solidFill>
+                    <a:schemeClr val="tx1">
+                      <a:lumMod val="65000"/>
+                      <a:lumOff val="35000"/>
+                    </a:schemeClr>
+                  </a:solidFill>
+                  <a:latin typeface="思源黑体 CN Bold" panose="020B0800000000000000" pitchFamily="34" charset="-122"/>
+                  <a:ea typeface="思源黑体 CN Bold" panose="020B0800000000000000" pitchFamily="34" charset="-122"/>
+                </a:rPr>
+                <a:t>4</a:t>
+              </a:r>
+              <a:endParaRPr lang="en-US" sz="9600" dirty="0">
+                <a:solidFill>
+                  <a:schemeClr val="tx1">
+                    <a:lumMod val="65000"/>
+                    <a:lumOff val="35000"/>
+                  </a:schemeClr>
+                </a:solidFill>
+                <a:latin typeface="思源黑体 CN Bold" panose="020B0800000000000000" pitchFamily="34" charset="-122"/>
+                <a:ea typeface="思源黑体 CN Bold" panose="020B0800000000000000" pitchFamily="34" charset="-122"/>
+              </a:endParaRPr>
+            </a:p>
+          </p:txBody>
+        </p:sp>
+      </p:grpSp>
+    </p:spTree>
+  </p:cSld>
+  <p:clrMapOvr>
+    <a:masterClrMapping/>
+  </p:clrMapOvr>
+</p:sld>
+</file>
+
+<file path=ppt/slides/slide13.xml><?xml version="1.0" encoding="utf-8"?>
+<p:sld xmlns:a="http://schemas.openxmlformats.org/drawingml/2006/main" xmlns:r="http://schemas.openxmlformats.org/officeDocument/2006/relationships" xmlns:p="http://schemas.openxmlformats.org/presentationml/2006/main">
+  <p:cSld>
+    <p:spTree>
+      <p:nvGrpSpPr>
+        <p:cNvPr id="1" name=""/>
+        <p:cNvGrpSpPr/>
+        <p:nvPr/>
+      </p:nvGrpSpPr>
+      <p:grpSpPr>
+        <a:xfrm>
+          <a:off x="0" y="0"/>
+          <a:ext cx="0" cy="0"/>
+          <a:chOff x="0" y="0"/>
+          <a:chExt cx="0" cy="0"/>
+        </a:xfrm>
+      </p:grpSpPr>
+    </p:spTree>
+  </p:cSld>
+  <p:clrMapOvr>
+    <a:masterClrMapping/>
+  </p:clrMapOvr>
+</p:sld>
+</file>
+
 <file path=ppt/slides/slide2.xml><?xml version="1.0" encoding="utf-8"?>
 <p:sld xmlns:a="http://schemas.openxmlformats.org/drawingml/2006/main" xmlns:r="http://schemas.openxmlformats.org/officeDocument/2006/relationships" xmlns:p="http://schemas.openxmlformats.org/presentationml/2006/main">
   <p:cSld>
@@ -7038,7 +9343,7 @@
         <p:spPr>
           <a:xfrm>
             <a:off x="863600" y="361950"/>
-            <a:ext cx="3862705" cy="461665"/>
+            <a:ext cx="3862705" cy="460375"/>
           </a:xfrm>
           <a:prstGeom prst="rect">
             <a:avLst/>
@@ -7059,7 +9364,7 @@
               <a:buNone/>
             </a:pPr>
             <a:r>
-              <a:rPr lang="en-US" altLang="zh-CN" sz="2400" b="1" dirty="0">
+              <a:rPr lang="zh-CN" sz="2400" b="1" dirty="0">
                 <a:gradFill>
                   <a:gsLst>
                     <a:gs pos="0">
@@ -7075,7 +9380,7 @@
                 <a:ea typeface="微软雅黑" panose="020B0503020204020204" charset="-122"/>
                 <a:cs typeface="微软雅黑" panose="020B0503020204020204" charset="-122"/>
               </a:rPr>
-              <a:t>XXXXX</a:t>
+              <a:t>工作概述</a:t>
             </a:r>
             <a:endParaRPr lang="zh-CN" sz="2400" b="1" dirty="0">
               <a:gradFill>
@@ -7172,28 +9477,35 @@
       </p:grpSpPr>
       <p:sp>
         <p:nvSpPr>
-          <p:cNvPr id="41" name="TextBox 2"/>
+          <p:cNvPr id="48132" name="文本框 12"/>
           <p:cNvSpPr txBox="1"/>
           <p:nvPr/>
         </p:nvSpPr>
         <p:spPr>
           <a:xfrm>
-            <a:off x="411540" y="283539"/>
-            <a:ext cx="5544616" cy="461665"/>
+            <a:off x="863600" y="361950"/>
+            <a:ext cx="3862705" cy="460375"/>
           </a:xfrm>
           <a:prstGeom prst="rect">
             <a:avLst/>
           </a:prstGeom>
           <a:noFill/>
+          <a:ln w="9525">
+            <a:noFill/>
+          </a:ln>
         </p:spPr>
         <p:txBody>
-          <a:bodyPr wrap="square" rtlCol="0">
+          <a:bodyPr wrap="square">
             <a:spAutoFit/>
           </a:bodyPr>
           <a:lstStyle/>
           <a:p>
-            <a:r>
-              <a:rPr lang="en-US" altLang="zh-CN" sz="2400" b="1" dirty="0">
+            <a:pPr lvl="0" eaLnBrk="1" hangingPunct="1">
+              <a:buFont typeface="Arial" panose="020B0604020202020204" pitchFamily="34" charset="0"/>
+              <a:buNone/>
+            </a:pPr>
+            <a:r>
+              <a:rPr lang="zh-CN" sz="2400" b="1" dirty="0">
                 <a:gradFill>
                   <a:gsLst>
                     <a:gs pos="0">
@@ -7207,10 +9519,11 @@
                 </a:gradFill>
                 <a:latin typeface="微软雅黑" panose="020B0503020204020204" charset="-122"/>
                 <a:ea typeface="微软雅黑" panose="020B0503020204020204" charset="-122"/>
-              </a:rPr>
-              <a:t>XXXXXX</a:t>
-            </a:r>
-            <a:endParaRPr lang="zh-CN" altLang="en-US" sz="2400" b="1" dirty="0">
+                <a:cs typeface="微软雅黑" panose="020B0503020204020204" charset="-122"/>
+              </a:rPr>
+              <a:t>工作概述</a:t>
+            </a:r>
+            <a:endParaRPr lang="zh-CN" sz="2400" b="1" dirty="0">
               <a:gradFill>
                 <a:gsLst>
                   <a:gs pos="0">
@@ -7224,18 +9537,65 @@
               </a:gradFill>
               <a:latin typeface="微软雅黑" panose="020B0503020204020204" charset="-122"/>
               <a:ea typeface="微软雅黑" panose="020B0503020204020204" charset="-122"/>
+              <a:cs typeface="微软雅黑" panose="020B0503020204020204" charset="-122"/>
             </a:endParaRPr>
           </a:p>
         </p:txBody>
       </p:sp>
+      <p:cxnSp>
+        <p:nvCxnSpPr>
+          <p:cNvPr id="2" name="直接连接符 4"/>
+          <p:cNvCxnSpPr/>
+          <p:nvPr/>
+        </p:nvCxnSpPr>
+        <p:spPr>
+          <a:xfrm>
+            <a:off x="133350" y="930275"/>
+            <a:ext cx="11611610" cy="10795"/>
+          </a:xfrm>
+          <a:prstGeom prst="line">
+            <a:avLst/>
+          </a:prstGeom>
+          <a:ln w="28575" cap="flat" cmpd="sng">
+            <a:solidFill>
+              <a:schemeClr val="accent1"/>
+            </a:solidFill>
+            <a:prstDash val="solid"/>
+            <a:headEnd type="none" w="med" len="med"/>
+            <a:tailEnd type="none" w="med" len="med"/>
+          </a:ln>
+        </p:spPr>
+      </p:cxnSp>
+      <p:pic>
+        <p:nvPicPr>
+          <p:cNvPr id="6" name="图片 5" descr="目录 (2)"/>
+          <p:cNvPicPr>
+            <a:picLocks noChangeAspect="1"/>
+          </p:cNvPicPr>
+          <p:nvPr/>
+        </p:nvPicPr>
+        <p:blipFill>
+          <a:blip r:embed="rId1"/>
+          <a:stretch>
+            <a:fillRect/>
+          </a:stretch>
+        </p:blipFill>
+        <p:spPr>
+          <a:xfrm>
+            <a:off x="410210" y="361950"/>
+            <a:ext cx="453390" cy="453390"/>
+          </a:xfrm>
+          <a:prstGeom prst="rect">
+            <a:avLst/>
+          </a:prstGeom>
+        </p:spPr>
+      </p:pic>
     </p:spTree>
-    <p:custDataLst>
-      <p:tags r:id="rId1"/>
-    </p:custDataLst>
   </p:cSld>
   <p:clrMapOvr>
     <a:masterClrMapping/>
   </p:clrMapOvr>
+  <p:transition spd="med"/>
 </p:sld>
 </file>
 
@@ -7256,375 +9616,127 @@
           <a:chExt cx="0" cy="0"/>
         </a:xfrm>
       </p:grpSpPr>
-      <p:grpSp>
-        <p:nvGrpSpPr>
-          <p:cNvPr id="10" name="组 9"/>
-          <p:cNvGrpSpPr/>
+      <p:sp>
+        <p:nvSpPr>
+          <p:cNvPr id="48132" name="文本框 12"/>
+          <p:cNvSpPr txBox="1"/>
           <p:nvPr/>
-        </p:nvGrpSpPr>
-        <p:grpSpPr>
+        </p:nvSpPr>
+        <p:spPr>
           <a:xfrm>
-            <a:off x="2509862" y="1561651"/>
-            <a:ext cx="6859539" cy="4235030"/>
-            <a:chOff x="2058848" y="1561651"/>
-            <a:chExt cx="6859539" cy="4235030"/>
+            <a:off x="863600" y="361950"/>
+            <a:ext cx="3862705" cy="461665"/>
           </a:xfrm>
-        </p:grpSpPr>
-        <p:sp>
-          <p:nvSpPr>
-            <p:cNvPr id="20" name="图文框 3"/>
-            <p:cNvSpPr/>
-            <p:nvPr/>
-          </p:nvSpPr>
-          <p:spPr>
-            <a:xfrm rot="5400000" flipV="1">
-              <a:off x="4492575" y="-768"/>
-              <a:ext cx="1992085" cy="6859539"/>
-            </a:xfrm>
-            <a:prstGeom prst="frame">
-              <a:avLst>
-                <a:gd name="adj1" fmla="val 132"/>
-              </a:avLst>
-            </a:prstGeom>
-            <a:solidFill>
-              <a:srgbClr val="FEAC22"/>
-            </a:solidFill>
-            <a:ln>
-              <a:solidFill>
-                <a:srgbClr val="FEAC22"/>
-              </a:solidFill>
-            </a:ln>
-          </p:spPr>
-          <p:style>
-            <a:lnRef idx="2">
-              <a:schemeClr val="accent1">
-                <a:shade val="50000"/>
-              </a:schemeClr>
-            </a:lnRef>
-            <a:fillRef idx="1">
-              <a:schemeClr val="accent1"/>
-            </a:fillRef>
-            <a:effectRef idx="0">
-              <a:schemeClr val="accent1"/>
-            </a:effectRef>
-            <a:fontRef idx="minor">
-              <a:schemeClr val="lt1"/>
-            </a:fontRef>
-          </p:style>
-          <p:txBody>
-            <a:bodyPr rtlCol="0" anchor="ctr"/>
-            <a:lstStyle/>
-            <a:p>
-              <a:pPr algn="ctr"/>
-              <a:endParaRPr lang="zh-CN" altLang="en-US">
-                <a:solidFill>
-                  <a:srgbClr val="F39900"/>
-                </a:solidFill>
-              </a:endParaRPr>
-            </a:p>
-          </p:txBody>
-        </p:sp>
-        <p:grpSp>
-          <p:nvGrpSpPr>
-            <p:cNvPr id="21" name="组 20"/>
-            <p:cNvGrpSpPr/>
-            <p:nvPr/>
-          </p:nvGrpSpPr>
-          <p:grpSpPr>
-            <a:xfrm>
-              <a:off x="2263349" y="1561651"/>
-              <a:ext cx="4047886" cy="4235030"/>
-              <a:chOff x="1482549" y="1502640"/>
-              <a:chExt cx="4454992" cy="4660958"/>
-            </a:xfrm>
-          </p:grpSpPr>
-          <p:sp>
-            <p:nvSpPr>
-              <p:cNvPr id="22" name="菱形 21"/>
-              <p:cNvSpPr/>
-              <p:nvPr/>
-            </p:nvSpPr>
-            <p:spPr>
-              <a:xfrm>
-                <a:off x="1482549" y="1502640"/>
-                <a:ext cx="4454992" cy="4660958"/>
-              </a:xfrm>
-              <a:prstGeom prst="diamond">
-                <a:avLst/>
-              </a:prstGeom>
-              <a:solidFill>
-                <a:srgbClr val="FEF7EB"/>
-              </a:solidFill>
-              <a:ln>
-                <a:noFill/>
-              </a:ln>
-            </p:spPr>
-            <p:style>
-              <a:lnRef idx="2">
-                <a:schemeClr val="accent1">
-                  <a:shade val="50000"/>
-                </a:schemeClr>
-              </a:lnRef>
-              <a:fillRef idx="1">
-                <a:schemeClr val="accent1"/>
-              </a:fillRef>
-              <a:effectRef idx="0">
-                <a:schemeClr val="accent1"/>
-              </a:effectRef>
-              <a:fontRef idx="minor">
-                <a:schemeClr val="lt1"/>
-              </a:fontRef>
-            </p:style>
-            <p:txBody>
-              <a:bodyPr rtlCol="0" anchor="ctr"/>
-              <a:lstStyle/>
-              <a:p>
-                <a:pPr algn="ctr"/>
-                <a:endParaRPr lang="zh-CN" altLang="en-US"/>
-              </a:p>
-            </p:txBody>
-          </p:sp>
-          <p:pic>
-            <p:nvPicPr>
-              <p:cNvPr id="23" name="图片 22"/>
-              <p:cNvPicPr>
-                <a:picLocks noChangeAspect="1"/>
-              </p:cNvPicPr>
-              <p:nvPr/>
-            </p:nvPicPr>
-            <p:blipFill rotWithShape="1">
-              <a:blip r:embed="rId1" cstate="print">
-                <a:extLst>
-                  <a:ext uri="{28A0092B-C50C-407E-A947-70E740481C1C}">
-                    <a14:useLocalDpi xmlns:a14="http://schemas.microsoft.com/office/drawing/2010/main" val="0"/>
-                  </a:ext>
-                </a:extLst>
-              </a:blip>
-              <a:srcRect l="37170" t="70793" r="49076" b="686"/>
-              <a:stretch>
-                <a:fillRect/>
-              </a:stretch>
-            </p:blipFill>
-            <p:spPr>
-              <a:xfrm rot="411943">
-                <a:off x="1759839" y="1849813"/>
-                <a:ext cx="3947239" cy="4092527"/>
-              </a:xfrm>
-              <a:prstGeom prst="rect">
-                <a:avLst/>
-              </a:prstGeom>
-            </p:spPr>
-          </p:pic>
-        </p:grpSp>
-        <p:sp>
-          <p:nvSpPr>
-            <p:cNvPr id="24" name="文本框 23"/>
-            <p:cNvSpPr txBox="1">
-              <a:spLocks noChangeArrowheads="1"/>
-            </p:cNvSpPr>
-            <p:nvPr/>
-          </p:nvSpPr>
-          <p:spPr bwMode="auto">
-            <a:xfrm>
-              <a:off x="6171220" y="3151104"/>
-              <a:ext cx="2621280" cy="583565"/>
-            </a:xfrm>
-            <a:prstGeom prst="rect">
-              <a:avLst/>
-            </a:prstGeom>
+          <a:prstGeom prst="rect">
+            <a:avLst/>
+          </a:prstGeom>
+          <a:noFill/>
+          <a:ln w="9525">
             <a:noFill/>
-            <a:ln>
-              <a:noFill/>
-            </a:ln>
-          </p:spPr>
-          <p:txBody>
-            <a:bodyPr wrap="none">
-              <a:spAutoFit/>
-            </a:bodyPr>
-            <a:lstStyle>
-              <a:lvl1pPr>
-                <a:defRPr>
-                  <a:solidFill>
-                    <a:schemeClr val="tx1"/>
-                  </a:solidFill>
-                  <a:latin typeface="Calibri" panose="020F0502020204030204" charset="0"/>
-                  <a:ea typeface="宋体" panose="02010600030101010101" pitchFamily="2" charset="-122"/>
-                </a:defRPr>
-              </a:lvl1pPr>
-              <a:lvl2pPr marL="742950" indent="-285750">
-                <a:defRPr>
-                  <a:solidFill>
-                    <a:schemeClr val="tx1"/>
-                  </a:solidFill>
-                  <a:latin typeface="Calibri" panose="020F0502020204030204" charset="0"/>
-                  <a:ea typeface="宋体" panose="02010600030101010101" pitchFamily="2" charset="-122"/>
-                </a:defRPr>
-              </a:lvl2pPr>
-              <a:lvl3pPr marL="1143000" indent="-228600">
-                <a:defRPr>
-                  <a:solidFill>
-                    <a:schemeClr val="tx1"/>
-                  </a:solidFill>
-                  <a:latin typeface="Calibri" panose="020F0502020204030204" charset="0"/>
-                  <a:ea typeface="宋体" panose="02010600030101010101" pitchFamily="2" charset="-122"/>
-                </a:defRPr>
-              </a:lvl3pPr>
-              <a:lvl4pPr marL="1600200" indent="-228600">
-                <a:defRPr>
-                  <a:solidFill>
-                    <a:schemeClr val="tx1"/>
-                  </a:solidFill>
-                  <a:latin typeface="Calibri" panose="020F0502020204030204" charset="0"/>
-                  <a:ea typeface="宋体" panose="02010600030101010101" pitchFamily="2" charset="-122"/>
-                </a:defRPr>
-              </a:lvl4pPr>
-              <a:lvl5pPr marL="2057400" indent="-228600">
-                <a:defRPr>
-                  <a:solidFill>
-                    <a:schemeClr val="tx1"/>
-                  </a:solidFill>
-                  <a:latin typeface="Calibri" panose="020F0502020204030204" charset="0"/>
-                  <a:ea typeface="宋体" panose="02010600030101010101" pitchFamily="2" charset="-122"/>
-                </a:defRPr>
-              </a:lvl5pPr>
-              <a:lvl6pPr marL="2514600" indent="-228600" eaLnBrk="0" fontAlgn="base" hangingPunct="0">
-                <a:spcBef>
-                  <a:spcPct val="0"/>
-                </a:spcBef>
-                <a:spcAft>
-                  <a:spcPct val="0"/>
-                </a:spcAft>
-                <a:defRPr>
-                  <a:solidFill>
-                    <a:schemeClr val="tx1"/>
-                  </a:solidFill>
-                  <a:latin typeface="Calibri" panose="020F0502020204030204" charset="0"/>
-                  <a:ea typeface="宋体" panose="02010600030101010101" pitchFamily="2" charset="-122"/>
-                </a:defRPr>
-              </a:lvl6pPr>
-              <a:lvl7pPr marL="2971800" indent="-228600" eaLnBrk="0" fontAlgn="base" hangingPunct="0">
-                <a:spcBef>
-                  <a:spcPct val="0"/>
-                </a:spcBef>
-                <a:spcAft>
-                  <a:spcPct val="0"/>
-                </a:spcAft>
-                <a:defRPr>
-                  <a:solidFill>
-                    <a:schemeClr val="tx1"/>
-                  </a:solidFill>
-                  <a:latin typeface="Calibri" panose="020F0502020204030204" charset="0"/>
-                  <a:ea typeface="宋体" panose="02010600030101010101" pitchFamily="2" charset="-122"/>
-                </a:defRPr>
-              </a:lvl7pPr>
-              <a:lvl8pPr marL="3429000" indent="-228600" eaLnBrk="0" fontAlgn="base" hangingPunct="0">
-                <a:spcBef>
-                  <a:spcPct val="0"/>
-                </a:spcBef>
-                <a:spcAft>
-                  <a:spcPct val="0"/>
-                </a:spcAft>
-                <a:defRPr>
-                  <a:solidFill>
-                    <a:schemeClr val="tx1"/>
-                  </a:solidFill>
-                  <a:latin typeface="Calibri" panose="020F0502020204030204" charset="0"/>
-                  <a:ea typeface="宋体" panose="02010600030101010101" pitchFamily="2" charset="-122"/>
-                </a:defRPr>
-              </a:lvl8pPr>
-              <a:lvl9pPr marL="3886200" indent="-228600" eaLnBrk="0" fontAlgn="base" hangingPunct="0">
-                <a:spcBef>
-                  <a:spcPct val="0"/>
-                </a:spcBef>
-                <a:spcAft>
-                  <a:spcPct val="0"/>
-                </a:spcAft>
-                <a:defRPr>
-                  <a:solidFill>
-                    <a:schemeClr val="tx1"/>
-                  </a:solidFill>
-                  <a:latin typeface="Calibri" panose="020F0502020204030204" charset="0"/>
-                  <a:ea typeface="宋体" panose="02010600030101010101" pitchFamily="2" charset="-122"/>
-                </a:defRPr>
-              </a:lvl9pPr>
-            </a:lstStyle>
-            <a:p>
-              <a:r>
-                <a:rPr lang="zh-CN" altLang="en-US" sz="3200" b="1" dirty="0">
-                  <a:solidFill>
-                    <a:srgbClr val="474747"/>
-                  </a:solidFill>
-                  <a:latin typeface="微软雅黑" panose="020B0503020204020204" charset="-122"/>
-                  <a:ea typeface="微软雅黑" panose="020B0503020204020204" charset="-122"/>
-                  <a:cs typeface="Arial" panose="020B0604020202020204" pitchFamily="34" charset="0"/>
-                </a:rPr>
-                <a:t>工作完成情况</a:t>
-              </a:r>
-              <a:endParaRPr lang="zh-CN" altLang="en-US" sz="3200" b="1" dirty="0">
-                <a:solidFill>
-                  <a:srgbClr val="474747"/>
-                </a:solidFill>
+          </a:ln>
+        </p:spPr>
+        <p:txBody>
+          <a:bodyPr wrap="square">
+            <a:spAutoFit/>
+          </a:bodyPr>
+          <a:lstStyle/>
+          <a:p>
+            <a:pPr lvl="0" eaLnBrk="1" hangingPunct="1">
+              <a:buFont typeface="Arial" panose="020B0604020202020204" pitchFamily="34" charset="0"/>
+              <a:buNone/>
+            </a:pPr>
+            <a:r>
+              <a:rPr lang="en-US" altLang="zh-CN" sz="2400" b="1" dirty="0">
+                <a:gradFill>
+                  <a:gsLst>
+                    <a:gs pos="0">
+                      <a:srgbClr val="007BD3"/>
+                    </a:gs>
+                    <a:gs pos="100000">
+                      <a:srgbClr val="034373"/>
+                    </a:gs>
+                  </a:gsLst>
+                  <a:lin scaled="0"/>
+                </a:gradFill>
                 <a:latin typeface="微软雅黑" panose="020B0503020204020204" charset="-122"/>
                 <a:ea typeface="微软雅黑" panose="020B0503020204020204" charset="-122"/>
-                <a:cs typeface="Arial" panose="020B0604020202020204" pitchFamily="34" charset="0"/>
-              </a:endParaRPr>
-            </a:p>
-          </p:txBody>
-        </p:sp>
-        <p:sp>
-          <p:nvSpPr>
-            <p:cNvPr id="25" name="文本框 24"/>
-            <p:cNvSpPr txBox="1"/>
-            <p:nvPr/>
-          </p:nvSpPr>
-          <p:spPr>
-            <a:xfrm>
-              <a:off x="3669804" y="2658043"/>
-              <a:ext cx="2891572" cy="1568450"/>
-            </a:xfrm>
-            <a:prstGeom prst="rect">
-              <a:avLst/>
-            </a:prstGeom>
-            <a:noFill/>
-          </p:spPr>
-          <p:txBody>
-            <a:bodyPr wrap="square" rtlCol="0">
-              <a:spAutoFit/>
-            </a:bodyPr>
-            <a:lstStyle/>
-            <a:p>
-              <a:r>
-                <a:rPr lang="en-US" altLang="zh-CN" sz="9600" dirty="0">
-                  <a:solidFill>
-                    <a:schemeClr val="tx1">
-                      <a:lumMod val="65000"/>
-                      <a:lumOff val="35000"/>
-                    </a:schemeClr>
-                  </a:solidFill>
-                  <a:latin typeface="思源黑体 CN Bold" panose="020B0800000000000000" pitchFamily="34" charset="-122"/>
-                  <a:ea typeface="思源黑体 CN Bold" panose="020B0800000000000000" pitchFamily="34" charset="-122"/>
-                </a:rPr>
-                <a:t>02</a:t>
-              </a:r>
-              <a:endParaRPr lang="zh-CN" altLang="en-US" sz="9600" dirty="0">
-                <a:solidFill>
-                  <a:schemeClr val="tx1">
-                    <a:lumMod val="65000"/>
-                    <a:lumOff val="35000"/>
-                  </a:schemeClr>
-                </a:solidFill>
-                <a:latin typeface="思源黑体 CN Bold" panose="020B0800000000000000" pitchFamily="34" charset="-122"/>
-                <a:ea typeface="思源黑体 CN Bold" panose="020B0800000000000000" pitchFamily="34" charset="-122"/>
-              </a:endParaRPr>
-            </a:p>
-          </p:txBody>
-        </p:sp>
-      </p:grpSp>
+                <a:cs typeface="微软雅黑" panose="020B0503020204020204" charset="-122"/>
+              </a:rPr>
+              <a:t>XXXXX</a:t>
+            </a:r>
+            <a:endParaRPr lang="zh-CN" sz="2400" b="1" dirty="0">
+              <a:gradFill>
+                <a:gsLst>
+                  <a:gs pos="0">
+                    <a:srgbClr val="007BD3"/>
+                  </a:gs>
+                  <a:gs pos="100000">
+                    <a:srgbClr val="034373"/>
+                  </a:gs>
+                </a:gsLst>
+                <a:lin scaled="0"/>
+              </a:gradFill>
+              <a:latin typeface="微软雅黑" panose="020B0503020204020204" charset="-122"/>
+              <a:ea typeface="微软雅黑" panose="020B0503020204020204" charset="-122"/>
+              <a:cs typeface="微软雅黑" panose="020B0503020204020204" charset="-122"/>
+            </a:endParaRPr>
+          </a:p>
+        </p:txBody>
+      </p:sp>
+      <p:cxnSp>
+        <p:nvCxnSpPr>
+          <p:cNvPr id="2" name="直接连接符 4"/>
+          <p:cNvCxnSpPr/>
+          <p:nvPr/>
+        </p:nvCxnSpPr>
+        <p:spPr>
+          <a:xfrm>
+            <a:off x="133350" y="930275"/>
+            <a:ext cx="11611610" cy="10795"/>
+          </a:xfrm>
+          <a:prstGeom prst="line">
+            <a:avLst/>
+          </a:prstGeom>
+          <a:ln w="28575" cap="flat" cmpd="sng">
+            <a:solidFill>
+              <a:schemeClr val="accent1"/>
+            </a:solidFill>
+            <a:prstDash val="solid"/>
+            <a:headEnd type="none" w="med" len="med"/>
+            <a:tailEnd type="none" w="med" len="med"/>
+          </a:ln>
+        </p:spPr>
+      </p:cxnSp>
+      <p:pic>
+        <p:nvPicPr>
+          <p:cNvPr id="6" name="图片 5" descr="目录 (2)"/>
+          <p:cNvPicPr>
+            <a:picLocks noChangeAspect="1"/>
+          </p:cNvPicPr>
+          <p:nvPr/>
+        </p:nvPicPr>
+        <p:blipFill>
+          <a:blip r:embed="rId1"/>
+          <a:stretch>
+            <a:fillRect/>
+          </a:stretch>
+        </p:blipFill>
+        <p:spPr>
+          <a:xfrm>
+            <a:off x="410210" y="361950"/>
+            <a:ext cx="453390" cy="453390"/>
+          </a:xfrm>
+          <a:prstGeom prst="rect">
+            <a:avLst/>
+          </a:prstGeom>
+        </p:spPr>
+      </p:pic>
     </p:spTree>
   </p:cSld>
   <p:clrMapOvr>
     <a:masterClrMapping/>
   </p:clrMapOvr>
+  <p:transition spd="med"/>
 </p:sld>
 </file>
 
@@ -7645,375 +9757,127 @@
           <a:chExt cx="0" cy="0"/>
         </a:xfrm>
       </p:grpSpPr>
-      <p:grpSp>
-        <p:nvGrpSpPr>
-          <p:cNvPr id="10" name="组 9"/>
-          <p:cNvGrpSpPr/>
+      <p:sp>
+        <p:nvSpPr>
+          <p:cNvPr id="48132" name="文本框 12"/>
+          <p:cNvSpPr txBox="1"/>
           <p:nvPr/>
-        </p:nvGrpSpPr>
-        <p:grpSpPr>
+        </p:nvSpPr>
+        <p:spPr>
           <a:xfrm>
-            <a:off x="2509862" y="1561651"/>
-            <a:ext cx="6859539" cy="4235030"/>
-            <a:chOff x="2058848" y="1561651"/>
-            <a:chExt cx="6859539" cy="4235030"/>
+            <a:off x="863600" y="361950"/>
+            <a:ext cx="3862705" cy="461665"/>
           </a:xfrm>
-        </p:grpSpPr>
-        <p:sp>
-          <p:nvSpPr>
-            <p:cNvPr id="20" name="图文框 3"/>
-            <p:cNvSpPr/>
-            <p:nvPr/>
-          </p:nvSpPr>
-          <p:spPr>
-            <a:xfrm rot="5400000" flipV="1">
-              <a:off x="4492575" y="-768"/>
-              <a:ext cx="1992085" cy="6859539"/>
-            </a:xfrm>
-            <a:prstGeom prst="frame">
-              <a:avLst>
-                <a:gd name="adj1" fmla="val 132"/>
-              </a:avLst>
-            </a:prstGeom>
-            <a:solidFill>
-              <a:srgbClr val="FEAC22"/>
-            </a:solidFill>
-            <a:ln>
-              <a:solidFill>
-                <a:srgbClr val="FEAC22"/>
-              </a:solidFill>
-            </a:ln>
-          </p:spPr>
-          <p:style>
-            <a:lnRef idx="2">
-              <a:schemeClr val="accent1">
-                <a:shade val="50000"/>
-              </a:schemeClr>
-            </a:lnRef>
-            <a:fillRef idx="1">
-              <a:schemeClr val="accent1"/>
-            </a:fillRef>
-            <a:effectRef idx="0">
-              <a:schemeClr val="accent1"/>
-            </a:effectRef>
-            <a:fontRef idx="minor">
-              <a:schemeClr val="lt1"/>
-            </a:fontRef>
-          </p:style>
-          <p:txBody>
-            <a:bodyPr rtlCol="0" anchor="ctr"/>
-            <a:lstStyle/>
-            <a:p>
-              <a:pPr algn="ctr"/>
-              <a:endParaRPr lang="zh-CN" altLang="en-US">
-                <a:solidFill>
-                  <a:srgbClr val="F39900"/>
-                </a:solidFill>
-              </a:endParaRPr>
-            </a:p>
-          </p:txBody>
-        </p:sp>
-        <p:grpSp>
-          <p:nvGrpSpPr>
-            <p:cNvPr id="21" name="组 20"/>
-            <p:cNvGrpSpPr/>
-            <p:nvPr/>
-          </p:nvGrpSpPr>
-          <p:grpSpPr>
-            <a:xfrm>
-              <a:off x="2263349" y="1561651"/>
-              <a:ext cx="4047886" cy="4235030"/>
-              <a:chOff x="1482549" y="1502640"/>
-              <a:chExt cx="4454992" cy="4660958"/>
-            </a:xfrm>
-          </p:grpSpPr>
-          <p:sp>
-            <p:nvSpPr>
-              <p:cNvPr id="22" name="菱形 21"/>
-              <p:cNvSpPr/>
-              <p:nvPr/>
-            </p:nvSpPr>
-            <p:spPr>
-              <a:xfrm>
-                <a:off x="1482549" y="1502640"/>
-                <a:ext cx="4454992" cy="4660958"/>
-              </a:xfrm>
-              <a:prstGeom prst="diamond">
-                <a:avLst/>
-              </a:prstGeom>
-              <a:solidFill>
-                <a:srgbClr val="FEF7EB"/>
-              </a:solidFill>
-              <a:ln>
-                <a:noFill/>
-              </a:ln>
-            </p:spPr>
-            <p:style>
-              <a:lnRef idx="2">
-                <a:schemeClr val="accent1">
-                  <a:shade val="50000"/>
-                </a:schemeClr>
-              </a:lnRef>
-              <a:fillRef idx="1">
-                <a:schemeClr val="accent1"/>
-              </a:fillRef>
-              <a:effectRef idx="0">
-                <a:schemeClr val="accent1"/>
-              </a:effectRef>
-              <a:fontRef idx="minor">
-                <a:schemeClr val="lt1"/>
-              </a:fontRef>
-            </p:style>
-            <p:txBody>
-              <a:bodyPr rtlCol="0" anchor="ctr"/>
-              <a:lstStyle/>
-              <a:p>
-                <a:pPr algn="ctr"/>
-                <a:endParaRPr lang="zh-CN" altLang="en-US"/>
-              </a:p>
-            </p:txBody>
-          </p:sp>
-          <p:pic>
-            <p:nvPicPr>
-              <p:cNvPr id="23" name="图片 22"/>
-              <p:cNvPicPr>
-                <a:picLocks noChangeAspect="1"/>
-              </p:cNvPicPr>
-              <p:nvPr/>
-            </p:nvPicPr>
-            <p:blipFill rotWithShape="1">
-              <a:blip r:embed="rId1" cstate="print">
-                <a:extLst>
-                  <a:ext uri="{28A0092B-C50C-407E-A947-70E740481C1C}">
-                    <a14:useLocalDpi xmlns:a14="http://schemas.microsoft.com/office/drawing/2010/main" val="0"/>
-                  </a:ext>
-                </a:extLst>
-              </a:blip>
-              <a:srcRect l="37170" t="70793" r="49076" b="686"/>
-              <a:stretch>
-                <a:fillRect/>
-              </a:stretch>
-            </p:blipFill>
-            <p:spPr>
-              <a:xfrm rot="411943">
-                <a:off x="1759839" y="1849813"/>
-                <a:ext cx="3947239" cy="4092527"/>
-              </a:xfrm>
-              <a:prstGeom prst="rect">
-                <a:avLst/>
-              </a:prstGeom>
-            </p:spPr>
-          </p:pic>
-        </p:grpSp>
-        <p:sp>
-          <p:nvSpPr>
-            <p:cNvPr id="24" name="文本框 23"/>
-            <p:cNvSpPr txBox="1">
-              <a:spLocks noChangeArrowheads="1"/>
-            </p:cNvSpPr>
-            <p:nvPr/>
-          </p:nvSpPr>
-          <p:spPr bwMode="auto">
-            <a:xfrm>
-              <a:off x="6131850" y="3137134"/>
-              <a:ext cx="2621280" cy="583565"/>
-            </a:xfrm>
-            <a:prstGeom prst="rect">
-              <a:avLst/>
-            </a:prstGeom>
+          <a:prstGeom prst="rect">
+            <a:avLst/>
+          </a:prstGeom>
+          <a:noFill/>
+          <a:ln w="9525">
             <a:noFill/>
-            <a:ln>
-              <a:noFill/>
-            </a:ln>
-          </p:spPr>
-          <p:txBody>
-            <a:bodyPr wrap="none">
-              <a:spAutoFit/>
-            </a:bodyPr>
-            <a:lstStyle>
-              <a:lvl1pPr>
-                <a:defRPr>
-                  <a:solidFill>
-                    <a:schemeClr val="tx1"/>
-                  </a:solidFill>
-                  <a:latin typeface="Calibri" panose="020F0502020204030204" charset="0"/>
-                  <a:ea typeface="宋体" panose="02010600030101010101" pitchFamily="2" charset="-122"/>
-                </a:defRPr>
-              </a:lvl1pPr>
-              <a:lvl2pPr marL="742950" indent="-285750">
-                <a:defRPr>
-                  <a:solidFill>
-                    <a:schemeClr val="tx1"/>
-                  </a:solidFill>
-                  <a:latin typeface="Calibri" panose="020F0502020204030204" charset="0"/>
-                  <a:ea typeface="宋体" panose="02010600030101010101" pitchFamily="2" charset="-122"/>
-                </a:defRPr>
-              </a:lvl2pPr>
-              <a:lvl3pPr marL="1143000" indent="-228600">
-                <a:defRPr>
-                  <a:solidFill>
-                    <a:schemeClr val="tx1"/>
-                  </a:solidFill>
-                  <a:latin typeface="Calibri" panose="020F0502020204030204" charset="0"/>
-                  <a:ea typeface="宋体" panose="02010600030101010101" pitchFamily="2" charset="-122"/>
-                </a:defRPr>
-              </a:lvl3pPr>
-              <a:lvl4pPr marL="1600200" indent="-228600">
-                <a:defRPr>
-                  <a:solidFill>
-                    <a:schemeClr val="tx1"/>
-                  </a:solidFill>
-                  <a:latin typeface="Calibri" panose="020F0502020204030204" charset="0"/>
-                  <a:ea typeface="宋体" panose="02010600030101010101" pitchFamily="2" charset="-122"/>
-                </a:defRPr>
-              </a:lvl4pPr>
-              <a:lvl5pPr marL="2057400" indent="-228600">
-                <a:defRPr>
-                  <a:solidFill>
-                    <a:schemeClr val="tx1"/>
-                  </a:solidFill>
-                  <a:latin typeface="Calibri" panose="020F0502020204030204" charset="0"/>
-                  <a:ea typeface="宋体" panose="02010600030101010101" pitchFamily="2" charset="-122"/>
-                </a:defRPr>
-              </a:lvl5pPr>
-              <a:lvl6pPr marL="2514600" indent="-228600" eaLnBrk="0" fontAlgn="base" hangingPunct="0">
-                <a:spcBef>
-                  <a:spcPct val="0"/>
-                </a:spcBef>
-                <a:spcAft>
-                  <a:spcPct val="0"/>
-                </a:spcAft>
-                <a:defRPr>
-                  <a:solidFill>
-                    <a:schemeClr val="tx1"/>
-                  </a:solidFill>
-                  <a:latin typeface="Calibri" panose="020F0502020204030204" charset="0"/>
-                  <a:ea typeface="宋体" panose="02010600030101010101" pitchFamily="2" charset="-122"/>
-                </a:defRPr>
-              </a:lvl6pPr>
-              <a:lvl7pPr marL="2971800" indent="-228600" eaLnBrk="0" fontAlgn="base" hangingPunct="0">
-                <a:spcBef>
-                  <a:spcPct val="0"/>
-                </a:spcBef>
-                <a:spcAft>
-                  <a:spcPct val="0"/>
-                </a:spcAft>
-                <a:defRPr>
-                  <a:solidFill>
-                    <a:schemeClr val="tx1"/>
-                  </a:solidFill>
-                  <a:latin typeface="Calibri" panose="020F0502020204030204" charset="0"/>
-                  <a:ea typeface="宋体" panose="02010600030101010101" pitchFamily="2" charset="-122"/>
-                </a:defRPr>
-              </a:lvl7pPr>
-              <a:lvl8pPr marL="3429000" indent="-228600" eaLnBrk="0" fontAlgn="base" hangingPunct="0">
-                <a:spcBef>
-                  <a:spcPct val="0"/>
-                </a:spcBef>
-                <a:spcAft>
-                  <a:spcPct val="0"/>
-                </a:spcAft>
-                <a:defRPr>
-                  <a:solidFill>
-                    <a:schemeClr val="tx1"/>
-                  </a:solidFill>
-                  <a:latin typeface="Calibri" panose="020F0502020204030204" charset="0"/>
-                  <a:ea typeface="宋体" panose="02010600030101010101" pitchFamily="2" charset="-122"/>
-                </a:defRPr>
-              </a:lvl8pPr>
-              <a:lvl9pPr marL="3886200" indent="-228600" eaLnBrk="0" fontAlgn="base" hangingPunct="0">
-                <a:spcBef>
-                  <a:spcPct val="0"/>
-                </a:spcBef>
-                <a:spcAft>
-                  <a:spcPct val="0"/>
-                </a:spcAft>
-                <a:defRPr>
-                  <a:solidFill>
-                    <a:schemeClr val="tx1"/>
-                  </a:solidFill>
-                  <a:latin typeface="Calibri" panose="020F0502020204030204" charset="0"/>
-                  <a:ea typeface="宋体" panose="02010600030101010101" pitchFamily="2" charset="-122"/>
-                </a:defRPr>
-              </a:lvl9pPr>
-            </a:lstStyle>
-            <a:p>
-              <a:r>
-                <a:rPr lang="zh-CN" altLang="en-US" sz="3200" b="1" dirty="0">
-                  <a:solidFill>
-                    <a:srgbClr val="474747"/>
-                  </a:solidFill>
-                  <a:latin typeface="微软雅黑" panose="020B0503020204020204" charset="-122"/>
-                  <a:ea typeface="微软雅黑" panose="020B0503020204020204" charset="-122"/>
-                  <a:cs typeface="Arial" panose="020B0604020202020204" pitchFamily="34" charset="0"/>
-                </a:rPr>
-                <a:t>工作存在不足</a:t>
-              </a:r>
-              <a:endParaRPr lang="zh-CN" altLang="en-US" sz="3200" b="1" dirty="0">
-                <a:solidFill>
-                  <a:srgbClr val="474747"/>
-                </a:solidFill>
+          </a:ln>
+        </p:spPr>
+        <p:txBody>
+          <a:bodyPr wrap="square">
+            <a:spAutoFit/>
+          </a:bodyPr>
+          <a:lstStyle/>
+          <a:p>
+            <a:pPr lvl="0" eaLnBrk="1" hangingPunct="1">
+              <a:buFont typeface="Arial" panose="020B0604020202020204" pitchFamily="34" charset="0"/>
+              <a:buNone/>
+            </a:pPr>
+            <a:r>
+              <a:rPr lang="en-US" altLang="zh-CN" sz="2400" b="1" dirty="0">
+                <a:gradFill>
+                  <a:gsLst>
+                    <a:gs pos="0">
+                      <a:srgbClr val="007BD3"/>
+                    </a:gs>
+                    <a:gs pos="100000">
+                      <a:srgbClr val="034373"/>
+                    </a:gs>
+                  </a:gsLst>
+                  <a:lin scaled="0"/>
+                </a:gradFill>
                 <a:latin typeface="微软雅黑" panose="020B0503020204020204" charset="-122"/>
                 <a:ea typeface="微软雅黑" panose="020B0503020204020204" charset="-122"/>
-                <a:cs typeface="Arial" panose="020B0604020202020204" pitchFamily="34" charset="0"/>
-              </a:endParaRPr>
-            </a:p>
-          </p:txBody>
-        </p:sp>
-        <p:sp>
-          <p:nvSpPr>
-            <p:cNvPr id="25" name="文本框 24"/>
-            <p:cNvSpPr txBox="1"/>
-            <p:nvPr/>
-          </p:nvSpPr>
-          <p:spPr>
-            <a:xfrm>
-              <a:off x="3669804" y="2658043"/>
-              <a:ext cx="2891572" cy="1568450"/>
-            </a:xfrm>
-            <a:prstGeom prst="rect">
-              <a:avLst/>
-            </a:prstGeom>
-            <a:noFill/>
-          </p:spPr>
-          <p:txBody>
-            <a:bodyPr wrap="square" rtlCol="0">
-              <a:spAutoFit/>
-            </a:bodyPr>
-            <a:lstStyle/>
-            <a:p>
-              <a:r>
-                <a:rPr lang="en-US" altLang="zh-CN" sz="9600" dirty="0">
-                  <a:solidFill>
-                    <a:schemeClr val="tx1">
-                      <a:lumMod val="65000"/>
-                      <a:lumOff val="35000"/>
-                    </a:schemeClr>
-                  </a:solidFill>
-                  <a:latin typeface="思源黑体 CN Bold" panose="020B0800000000000000" pitchFamily="34" charset="-122"/>
-                  <a:ea typeface="思源黑体 CN Bold" panose="020B0800000000000000" pitchFamily="34" charset="-122"/>
-                </a:rPr>
-                <a:t>03</a:t>
-              </a:r>
-              <a:endParaRPr lang="zh-CN" altLang="en-US" sz="9600" dirty="0">
-                <a:solidFill>
-                  <a:schemeClr val="tx1">
-                    <a:lumMod val="65000"/>
-                    <a:lumOff val="35000"/>
-                  </a:schemeClr>
-                </a:solidFill>
-                <a:latin typeface="思源黑体 CN Bold" panose="020B0800000000000000" pitchFamily="34" charset="-122"/>
-                <a:ea typeface="思源黑体 CN Bold" panose="020B0800000000000000" pitchFamily="34" charset="-122"/>
-              </a:endParaRPr>
-            </a:p>
-          </p:txBody>
-        </p:sp>
-      </p:grpSp>
+                <a:cs typeface="微软雅黑" panose="020B0503020204020204" charset="-122"/>
+              </a:rPr>
+              <a:t>XXXXX</a:t>
+            </a:r>
+            <a:endParaRPr lang="zh-CN" sz="2400" b="1" dirty="0">
+              <a:gradFill>
+                <a:gsLst>
+                  <a:gs pos="0">
+                    <a:srgbClr val="007BD3"/>
+                  </a:gs>
+                  <a:gs pos="100000">
+                    <a:srgbClr val="034373"/>
+                  </a:gs>
+                </a:gsLst>
+                <a:lin scaled="0"/>
+              </a:gradFill>
+              <a:latin typeface="微软雅黑" panose="020B0503020204020204" charset="-122"/>
+              <a:ea typeface="微软雅黑" panose="020B0503020204020204" charset="-122"/>
+              <a:cs typeface="微软雅黑" panose="020B0503020204020204" charset="-122"/>
+            </a:endParaRPr>
+          </a:p>
+        </p:txBody>
+      </p:sp>
+      <p:cxnSp>
+        <p:nvCxnSpPr>
+          <p:cNvPr id="2" name="直接连接符 4"/>
+          <p:cNvCxnSpPr/>
+          <p:nvPr/>
+        </p:nvCxnSpPr>
+        <p:spPr>
+          <a:xfrm>
+            <a:off x="133350" y="930275"/>
+            <a:ext cx="11611610" cy="10795"/>
+          </a:xfrm>
+          <a:prstGeom prst="line">
+            <a:avLst/>
+          </a:prstGeom>
+          <a:ln w="28575" cap="flat" cmpd="sng">
+            <a:solidFill>
+              <a:schemeClr val="accent1"/>
+            </a:solidFill>
+            <a:prstDash val="solid"/>
+            <a:headEnd type="none" w="med" len="med"/>
+            <a:tailEnd type="none" w="med" len="med"/>
+          </a:ln>
+        </p:spPr>
+      </p:cxnSp>
+      <p:pic>
+        <p:nvPicPr>
+          <p:cNvPr id="6" name="图片 5" descr="目录 (2)"/>
+          <p:cNvPicPr>
+            <a:picLocks noChangeAspect="1"/>
+          </p:cNvPicPr>
+          <p:nvPr/>
+        </p:nvPicPr>
+        <p:blipFill>
+          <a:blip r:embed="rId1"/>
+          <a:stretch>
+            <a:fillRect/>
+          </a:stretch>
+        </p:blipFill>
+        <p:spPr>
+          <a:xfrm>
+            <a:off x="410210" y="361950"/>
+            <a:ext cx="453390" cy="453390"/>
+          </a:xfrm>
+          <a:prstGeom prst="rect">
+            <a:avLst/>
+          </a:prstGeom>
+        </p:spPr>
+      </p:pic>
     </p:spTree>
   </p:cSld>
   <p:clrMapOvr>
     <a:masterClrMapping/>
   </p:clrMapOvr>
+  <p:transition spd="med"/>
 </p:sld>
 </file>
 
@@ -8034,384 +9898,68 @@
           <a:chExt cx="0" cy="0"/>
         </a:xfrm>
       </p:grpSpPr>
-      <p:grpSp>
-        <p:nvGrpSpPr>
-          <p:cNvPr id="10" name="组 9"/>
-          <p:cNvGrpSpPr/>
+      <p:sp>
+        <p:nvSpPr>
+          <p:cNvPr id="41" name="TextBox 2"/>
+          <p:cNvSpPr txBox="1"/>
           <p:nvPr/>
-        </p:nvGrpSpPr>
-        <p:grpSpPr>
+        </p:nvSpPr>
+        <p:spPr>
           <a:xfrm>
-            <a:off x="2509862" y="1561651"/>
-            <a:ext cx="6859539" cy="4235030"/>
-            <a:chOff x="2058848" y="1561651"/>
-            <a:chExt cx="6859539" cy="4235030"/>
+            <a:off x="411540" y="283539"/>
+            <a:ext cx="5544616" cy="461665"/>
           </a:xfrm>
-        </p:grpSpPr>
-        <p:sp>
-          <p:nvSpPr>
-            <p:cNvPr id="20" name="图文框 3"/>
-            <p:cNvSpPr/>
-            <p:nvPr/>
-          </p:nvSpPr>
-          <p:spPr>
-            <a:xfrm rot="5400000" flipV="1">
-              <a:off x="4492575" y="-768"/>
-              <a:ext cx="1992085" cy="6859539"/>
-            </a:xfrm>
-            <a:prstGeom prst="frame">
-              <a:avLst>
-                <a:gd name="adj1" fmla="val 132"/>
-              </a:avLst>
-            </a:prstGeom>
-            <a:solidFill>
-              <a:srgbClr val="FEAC22"/>
-            </a:solidFill>
-            <a:ln>
-              <a:solidFill>
-                <a:srgbClr val="FEAC22"/>
-              </a:solidFill>
-            </a:ln>
-          </p:spPr>
-          <p:style>
-            <a:lnRef idx="2">
-              <a:schemeClr val="accent1">
-                <a:shade val="50000"/>
-              </a:schemeClr>
-            </a:lnRef>
-            <a:fillRef idx="1">
-              <a:schemeClr val="accent1"/>
-            </a:fillRef>
-            <a:effectRef idx="0">
-              <a:schemeClr val="accent1"/>
-            </a:effectRef>
-            <a:fontRef idx="minor">
-              <a:schemeClr val="lt1"/>
-            </a:fontRef>
-          </p:style>
-          <p:txBody>
-            <a:bodyPr rtlCol="0" anchor="ctr"/>
-            <a:lstStyle/>
-            <a:p>
-              <a:pPr algn="ctr"/>
-              <a:endParaRPr lang="zh-CN" altLang="en-US">
-                <a:solidFill>
-                  <a:srgbClr val="F39900"/>
-                </a:solidFill>
-              </a:endParaRPr>
-            </a:p>
-          </p:txBody>
-        </p:sp>
-        <p:grpSp>
-          <p:nvGrpSpPr>
-            <p:cNvPr id="21" name="组 20"/>
-            <p:cNvGrpSpPr/>
-            <p:nvPr/>
-          </p:nvGrpSpPr>
-          <p:grpSpPr>
-            <a:xfrm>
-              <a:off x="2263349" y="1561651"/>
-              <a:ext cx="4047886" cy="4235030"/>
-              <a:chOff x="1482549" y="1502640"/>
-              <a:chExt cx="4454992" cy="4660958"/>
-            </a:xfrm>
-          </p:grpSpPr>
-          <p:sp>
-            <p:nvSpPr>
-              <p:cNvPr id="22" name="菱形 21"/>
-              <p:cNvSpPr/>
-              <p:nvPr/>
-            </p:nvSpPr>
-            <p:spPr>
-              <a:xfrm>
-                <a:off x="1482549" y="1502640"/>
-                <a:ext cx="4454992" cy="4660958"/>
-              </a:xfrm>
-              <a:prstGeom prst="diamond">
-                <a:avLst/>
-              </a:prstGeom>
-              <a:solidFill>
-                <a:srgbClr val="FEF7EB"/>
-              </a:solidFill>
-              <a:ln>
-                <a:noFill/>
-              </a:ln>
-            </p:spPr>
-            <p:style>
-              <a:lnRef idx="2">
-                <a:schemeClr val="accent1">
-                  <a:shade val="50000"/>
-                </a:schemeClr>
-              </a:lnRef>
-              <a:fillRef idx="1">
-                <a:schemeClr val="accent1"/>
-              </a:fillRef>
-              <a:effectRef idx="0">
-                <a:schemeClr val="accent1"/>
-              </a:effectRef>
-              <a:fontRef idx="minor">
-                <a:schemeClr val="lt1"/>
-              </a:fontRef>
-            </p:style>
-            <p:txBody>
-              <a:bodyPr rtlCol="0" anchor="ctr"/>
-              <a:lstStyle/>
-              <a:p>
-                <a:pPr algn="ctr"/>
-                <a:endParaRPr lang="zh-CN" altLang="en-US"/>
-              </a:p>
-            </p:txBody>
-          </p:sp>
-          <p:pic>
-            <p:nvPicPr>
-              <p:cNvPr id="23" name="图片 22"/>
-              <p:cNvPicPr>
-                <a:picLocks noChangeAspect="1"/>
-              </p:cNvPicPr>
-              <p:nvPr/>
-            </p:nvPicPr>
-            <p:blipFill rotWithShape="1">
-              <a:blip r:embed="rId1" cstate="print">
-                <a:extLst>
-                  <a:ext uri="{28A0092B-C50C-407E-A947-70E740481C1C}">
-                    <a14:useLocalDpi xmlns:a14="http://schemas.microsoft.com/office/drawing/2010/main" val="0"/>
-                  </a:ext>
-                </a:extLst>
-              </a:blip>
-              <a:srcRect l="37170" t="70793" r="49076" b="686"/>
-              <a:stretch>
-                <a:fillRect/>
-              </a:stretch>
-            </p:blipFill>
-            <p:spPr>
-              <a:xfrm rot="411943">
-                <a:off x="1759839" y="1849813"/>
-                <a:ext cx="3947239" cy="4092527"/>
-              </a:xfrm>
-              <a:prstGeom prst="rect">
-                <a:avLst/>
-              </a:prstGeom>
-            </p:spPr>
-          </p:pic>
-        </p:grpSp>
-        <p:sp>
-          <p:nvSpPr>
-            <p:cNvPr id="24" name="文本框 23"/>
-            <p:cNvSpPr txBox="1">
-              <a:spLocks noChangeArrowheads="1"/>
-            </p:cNvSpPr>
-            <p:nvPr/>
-          </p:nvSpPr>
-          <p:spPr bwMode="auto">
-            <a:xfrm>
-              <a:off x="6131850" y="3137134"/>
-              <a:ext cx="2621280" cy="583565"/>
-            </a:xfrm>
-            <a:prstGeom prst="rect">
-              <a:avLst/>
-            </a:prstGeom>
-            <a:noFill/>
-            <a:ln>
-              <a:noFill/>
-            </a:ln>
-          </p:spPr>
-          <p:txBody>
-            <a:bodyPr wrap="none">
-              <a:spAutoFit/>
-            </a:bodyPr>
-            <a:lstStyle>
-              <a:lvl1pPr>
-                <a:defRPr>
-                  <a:solidFill>
-                    <a:schemeClr val="tx1"/>
-                  </a:solidFill>
-                  <a:latin typeface="Calibri" panose="020F0502020204030204" charset="0"/>
-                  <a:ea typeface="宋体" panose="02010600030101010101" pitchFamily="2" charset="-122"/>
-                </a:defRPr>
-              </a:lvl1pPr>
-              <a:lvl2pPr marL="742950" indent="-285750">
-                <a:defRPr>
-                  <a:solidFill>
-                    <a:schemeClr val="tx1"/>
-                  </a:solidFill>
-                  <a:latin typeface="Calibri" panose="020F0502020204030204" charset="0"/>
-                  <a:ea typeface="宋体" panose="02010600030101010101" pitchFamily="2" charset="-122"/>
-                </a:defRPr>
-              </a:lvl2pPr>
-              <a:lvl3pPr marL="1143000" indent="-228600">
-                <a:defRPr>
-                  <a:solidFill>
-                    <a:schemeClr val="tx1"/>
-                  </a:solidFill>
-                  <a:latin typeface="Calibri" panose="020F0502020204030204" charset="0"/>
-                  <a:ea typeface="宋体" panose="02010600030101010101" pitchFamily="2" charset="-122"/>
-                </a:defRPr>
-              </a:lvl3pPr>
-              <a:lvl4pPr marL="1600200" indent="-228600">
-                <a:defRPr>
-                  <a:solidFill>
-                    <a:schemeClr val="tx1"/>
-                  </a:solidFill>
-                  <a:latin typeface="Calibri" panose="020F0502020204030204" charset="0"/>
-                  <a:ea typeface="宋体" panose="02010600030101010101" pitchFamily="2" charset="-122"/>
-                </a:defRPr>
-              </a:lvl4pPr>
-              <a:lvl5pPr marL="2057400" indent="-228600">
-                <a:defRPr>
-                  <a:solidFill>
-                    <a:schemeClr val="tx1"/>
-                  </a:solidFill>
-                  <a:latin typeface="Calibri" panose="020F0502020204030204" charset="0"/>
-                  <a:ea typeface="宋体" panose="02010600030101010101" pitchFamily="2" charset="-122"/>
-                </a:defRPr>
-              </a:lvl5pPr>
-              <a:lvl6pPr marL="2514600" indent="-228600" eaLnBrk="0" fontAlgn="base" hangingPunct="0">
-                <a:spcBef>
-                  <a:spcPct val="0"/>
-                </a:spcBef>
-                <a:spcAft>
-                  <a:spcPct val="0"/>
-                </a:spcAft>
-                <a:defRPr>
-                  <a:solidFill>
-                    <a:schemeClr val="tx1"/>
-                  </a:solidFill>
-                  <a:latin typeface="Calibri" panose="020F0502020204030204" charset="0"/>
-                  <a:ea typeface="宋体" panose="02010600030101010101" pitchFamily="2" charset="-122"/>
-                </a:defRPr>
-              </a:lvl6pPr>
-              <a:lvl7pPr marL="2971800" indent="-228600" eaLnBrk="0" fontAlgn="base" hangingPunct="0">
-                <a:spcBef>
-                  <a:spcPct val="0"/>
-                </a:spcBef>
-                <a:spcAft>
-                  <a:spcPct val="0"/>
-                </a:spcAft>
-                <a:defRPr>
-                  <a:solidFill>
-                    <a:schemeClr val="tx1"/>
-                  </a:solidFill>
-                  <a:latin typeface="Calibri" panose="020F0502020204030204" charset="0"/>
-                  <a:ea typeface="宋体" panose="02010600030101010101" pitchFamily="2" charset="-122"/>
-                </a:defRPr>
-              </a:lvl7pPr>
-              <a:lvl8pPr marL="3429000" indent="-228600" eaLnBrk="0" fontAlgn="base" hangingPunct="0">
-                <a:spcBef>
-                  <a:spcPct val="0"/>
-                </a:spcBef>
-                <a:spcAft>
-                  <a:spcPct val="0"/>
-                </a:spcAft>
-                <a:defRPr>
-                  <a:solidFill>
-                    <a:schemeClr val="tx1"/>
-                  </a:solidFill>
-                  <a:latin typeface="Calibri" panose="020F0502020204030204" charset="0"/>
-                  <a:ea typeface="宋体" panose="02010600030101010101" pitchFamily="2" charset="-122"/>
-                </a:defRPr>
-              </a:lvl8pPr>
-              <a:lvl9pPr marL="3886200" indent="-228600" eaLnBrk="0" fontAlgn="base" hangingPunct="0">
-                <a:spcBef>
-                  <a:spcPct val="0"/>
-                </a:spcBef>
-                <a:spcAft>
-                  <a:spcPct val="0"/>
-                </a:spcAft>
-                <a:defRPr>
-                  <a:solidFill>
-                    <a:schemeClr val="tx1"/>
-                  </a:solidFill>
-                  <a:latin typeface="Calibri" panose="020F0502020204030204" charset="0"/>
-                  <a:ea typeface="宋体" panose="02010600030101010101" pitchFamily="2" charset="-122"/>
-                </a:defRPr>
-              </a:lvl9pPr>
-            </a:lstStyle>
-            <a:p>
-              <a:r>
-                <a:rPr lang="zh-CN" altLang="en-US" sz="3200" b="1" dirty="0">
-                  <a:solidFill>
-                    <a:srgbClr val="474747"/>
-                  </a:solidFill>
-                  <a:latin typeface="微软雅黑" panose="020B0503020204020204" charset="-122"/>
-                  <a:ea typeface="微软雅黑" panose="020B0503020204020204" charset="-122"/>
-                  <a:cs typeface="Arial" panose="020B0604020202020204" pitchFamily="34" charset="0"/>
-                </a:rPr>
-                <a:t>明年工作计划</a:t>
-              </a:r>
-              <a:endParaRPr lang="zh-CN" altLang="en-US" sz="3200" b="1" dirty="0">
-                <a:solidFill>
-                  <a:srgbClr val="474747"/>
-                </a:solidFill>
+          <a:prstGeom prst="rect">
+            <a:avLst/>
+          </a:prstGeom>
+          <a:noFill/>
+        </p:spPr>
+        <p:txBody>
+          <a:bodyPr wrap="square" rtlCol="0">
+            <a:spAutoFit/>
+          </a:bodyPr>
+          <a:lstStyle/>
+          <a:p>
+            <a:r>
+              <a:rPr lang="en-US" altLang="zh-CN" sz="2400" b="1" dirty="0">
+                <a:gradFill>
+                  <a:gsLst>
+                    <a:gs pos="0">
+                      <a:srgbClr val="007BD3"/>
+                    </a:gs>
+                    <a:gs pos="100000">
+                      <a:srgbClr val="034373"/>
+                    </a:gs>
+                  </a:gsLst>
+                  <a:lin scaled="0"/>
+                </a:gradFill>
                 <a:latin typeface="微软雅黑" panose="020B0503020204020204" charset="-122"/>
                 <a:ea typeface="微软雅黑" panose="020B0503020204020204" charset="-122"/>
-                <a:cs typeface="Arial" panose="020B0604020202020204" pitchFamily="34" charset="0"/>
-              </a:endParaRPr>
-            </a:p>
-          </p:txBody>
-        </p:sp>
-        <p:sp>
-          <p:nvSpPr>
-            <p:cNvPr id="25" name="文本框 24"/>
-            <p:cNvSpPr txBox="1"/>
-            <p:nvPr/>
-          </p:nvSpPr>
-          <p:spPr>
-            <a:xfrm>
-              <a:off x="3669804" y="2658043"/>
-              <a:ext cx="2891572" cy="1568450"/>
-            </a:xfrm>
-            <a:prstGeom prst="rect">
-              <a:avLst/>
-            </a:prstGeom>
-            <a:noFill/>
-          </p:spPr>
-          <p:txBody>
-            <a:bodyPr wrap="square" rtlCol="0">
-              <a:spAutoFit/>
-            </a:bodyPr>
-            <a:lstStyle/>
-            <a:p>
-              <a:r>
-                <a:rPr lang="en-US" altLang="zh-CN" sz="9600" dirty="0">
-                  <a:solidFill>
-                    <a:schemeClr val="tx1">
-                      <a:lumMod val="65000"/>
-                      <a:lumOff val="35000"/>
-                    </a:schemeClr>
-                  </a:solidFill>
-                  <a:latin typeface="思源黑体 CN Bold" panose="020B0800000000000000" pitchFamily="34" charset="-122"/>
-                  <a:ea typeface="思源黑体 CN Bold" panose="020B0800000000000000" pitchFamily="34" charset="-122"/>
-                </a:rPr>
-                <a:t>0</a:t>
-              </a:r>
-              <a:r>
-                <a:rPr lang="en-US" sz="9600" dirty="0">
-                  <a:solidFill>
-                    <a:schemeClr val="tx1">
-                      <a:lumMod val="65000"/>
-                      <a:lumOff val="35000"/>
-                    </a:schemeClr>
-                  </a:solidFill>
-                  <a:latin typeface="思源黑体 CN Bold" panose="020B0800000000000000" pitchFamily="34" charset="-122"/>
-                  <a:ea typeface="思源黑体 CN Bold" panose="020B0800000000000000" pitchFamily="34" charset="-122"/>
-                </a:rPr>
-                <a:t>4</a:t>
-              </a:r>
-              <a:endParaRPr lang="en-US" sz="9600" dirty="0">
-                <a:solidFill>
-                  <a:schemeClr val="tx1">
-                    <a:lumMod val="65000"/>
-                    <a:lumOff val="35000"/>
-                  </a:schemeClr>
-                </a:solidFill>
-                <a:latin typeface="思源黑体 CN Bold" panose="020B0800000000000000" pitchFamily="34" charset="-122"/>
-                <a:ea typeface="思源黑体 CN Bold" panose="020B0800000000000000" pitchFamily="34" charset="-122"/>
-              </a:endParaRPr>
-            </a:p>
-          </p:txBody>
-        </p:sp>
-      </p:grpSp>
+              </a:rPr>
+              <a:t>XXXXXX</a:t>
+            </a:r>
+            <a:endParaRPr lang="zh-CN" altLang="en-US" sz="2400" b="1" dirty="0">
+              <a:gradFill>
+                <a:gsLst>
+                  <a:gs pos="0">
+                    <a:srgbClr val="007BD3"/>
+                  </a:gs>
+                  <a:gs pos="100000">
+                    <a:srgbClr val="034373"/>
+                  </a:gs>
+                </a:gsLst>
+                <a:lin scaled="0"/>
+              </a:gradFill>
+              <a:latin typeface="微软雅黑" panose="020B0503020204020204" charset="-122"/>
+              <a:ea typeface="微软雅黑" panose="020B0503020204020204" charset="-122"/>
+            </a:endParaRPr>
+          </a:p>
+        </p:txBody>
+      </p:sp>
     </p:spTree>
+    <p:custDataLst>
+      <p:tags r:id="rId1"/>
+    </p:custDataLst>
   </p:cSld>
   <p:clrMapOvr>
     <a:masterClrMapping/>
@@ -8436,7 +9984,68 @@
           <a:chExt cx="0" cy="0"/>
         </a:xfrm>
       </p:grpSpPr>
+      <p:sp>
+        <p:nvSpPr>
+          <p:cNvPr id="41" name="TextBox 2"/>
+          <p:cNvSpPr txBox="1"/>
+          <p:nvPr/>
+        </p:nvSpPr>
+        <p:spPr>
+          <a:xfrm>
+            <a:off x="411540" y="283539"/>
+            <a:ext cx="5544616" cy="461665"/>
+          </a:xfrm>
+          <a:prstGeom prst="rect">
+            <a:avLst/>
+          </a:prstGeom>
+          <a:noFill/>
+        </p:spPr>
+        <p:txBody>
+          <a:bodyPr wrap="square" rtlCol="0">
+            <a:spAutoFit/>
+          </a:bodyPr>
+          <a:lstStyle/>
+          <a:p>
+            <a:r>
+              <a:rPr lang="en-US" altLang="zh-CN" sz="2400" b="1" dirty="0">
+                <a:gradFill>
+                  <a:gsLst>
+                    <a:gs pos="0">
+                      <a:srgbClr val="007BD3"/>
+                    </a:gs>
+                    <a:gs pos="100000">
+                      <a:srgbClr val="034373"/>
+                    </a:gs>
+                  </a:gsLst>
+                  <a:lin scaled="0"/>
+                </a:gradFill>
+                <a:latin typeface="微软雅黑" panose="020B0503020204020204" charset="-122"/>
+                <a:ea typeface="微软雅黑" panose="020B0503020204020204" charset="-122"/>
+              </a:rPr>
+              <a:t>XXXXXX</a:t>
+            </a:r>
+            <a:endParaRPr lang="zh-CN" altLang="en-US" sz="2400" b="1" dirty="0">
+              <a:gradFill>
+                <a:gsLst>
+                  <a:gs pos="0">
+                    <a:srgbClr val="007BD3"/>
+                  </a:gs>
+                  <a:gs pos="100000">
+                    <a:srgbClr val="034373"/>
+                  </a:gs>
+                </a:gsLst>
+                <a:lin scaled="0"/>
+              </a:gradFill>
+              <a:latin typeface="微软雅黑" panose="020B0503020204020204" charset="-122"/>
+              <a:ea typeface="微软雅黑" panose="020B0503020204020204" charset="-122"/>
+            </a:endParaRPr>
+          </a:p>
+        </p:txBody>
+      </p:sp>
     </p:spTree>
+    <p:custDataLst>
+      <p:tags r:id="rId1"/>
+    </p:custDataLst>
   </p:cSld>
   <p:clrMapOvr>
     <a:masterClrMapping/>
@@ -8451,6 +10060,12 @@
 </file>
 
 <file path=ppt/tags/tag2.xml><?xml version="1.0" encoding="utf-8"?>
+<p:tagLst xmlns:p="http://schemas.openxmlformats.org/presentationml/2006/main">
+  <p:tag name="KSO_WM_SLIDE_MODEL_TYPE" val="timeline"/>
+</p:tagLst>
+</file>
+
+<file path=ppt/tags/tag3.xml><?xml version="1.0" encoding="utf-8"?>
 <p:tagLst xmlns:p="http://schemas.openxmlformats.org/presentationml/2006/main">
   <p:tag name="KSO_WM_SLIDE_MODEL_TYPE" val="timeline"/>
 </p:tagLst>
